--- a/授業資料/講義資料：new演算子とdelete演算子.pptx
+++ b/授業資料/講義資料：new演算子とdelete演算子.pptx
@@ -266,7 +266,7 @@
           <a:p>
             <a:fld id="{5B96D3F8-CD2E-4A0D-AC38-517181EABB18}" type="datetimeFigureOut">
               <a:rPr kumimoji="1" lang="ja-JP" altLang="en-US" smtClean="0"/>
-              <a:t>2024/9/11</a:t>
+              <a:t>2024/9/13</a:t>
             </a:fld>
             <a:endParaRPr kumimoji="1" lang="ja-JP" altLang="en-US"/>
           </a:p>
@@ -468,7 +468,7 @@
           <a:p>
             <a:fld id="{5B96D3F8-CD2E-4A0D-AC38-517181EABB18}" type="datetimeFigureOut">
               <a:rPr kumimoji="1" lang="ja-JP" altLang="en-US" smtClean="0"/>
-              <a:t>2024/9/11</a:t>
+              <a:t>2024/9/13</a:t>
             </a:fld>
             <a:endParaRPr kumimoji="1" lang="ja-JP" altLang="en-US"/>
           </a:p>
@@ -680,7 +680,7 @@
           <a:p>
             <a:fld id="{5B96D3F8-CD2E-4A0D-AC38-517181EABB18}" type="datetimeFigureOut">
               <a:rPr kumimoji="1" lang="ja-JP" altLang="en-US" smtClean="0"/>
-              <a:t>2024/9/11</a:t>
+              <a:t>2024/9/13</a:t>
             </a:fld>
             <a:endParaRPr kumimoji="1" lang="ja-JP" altLang="en-US"/>
           </a:p>
@@ -882,7 +882,7 @@
           <a:p>
             <a:fld id="{5B96D3F8-CD2E-4A0D-AC38-517181EABB18}" type="datetimeFigureOut">
               <a:rPr kumimoji="1" lang="ja-JP" altLang="en-US" smtClean="0"/>
-              <a:t>2024/9/11</a:t>
+              <a:t>2024/9/13</a:t>
             </a:fld>
             <a:endParaRPr kumimoji="1" lang="ja-JP" altLang="en-US"/>
           </a:p>
@@ -1128,7 +1128,7 @@
           <a:p>
             <a:fld id="{5B96D3F8-CD2E-4A0D-AC38-517181EABB18}" type="datetimeFigureOut">
               <a:rPr kumimoji="1" lang="ja-JP" altLang="en-US" smtClean="0"/>
-              <a:t>2024/9/11</a:t>
+              <a:t>2024/9/13</a:t>
             </a:fld>
             <a:endParaRPr kumimoji="1" lang="ja-JP" altLang="en-US"/>
           </a:p>
@@ -1424,7 +1424,7 @@
           <a:p>
             <a:fld id="{5B96D3F8-CD2E-4A0D-AC38-517181EABB18}" type="datetimeFigureOut">
               <a:rPr kumimoji="1" lang="ja-JP" altLang="en-US" smtClean="0"/>
-              <a:t>2024/9/11</a:t>
+              <a:t>2024/9/13</a:t>
             </a:fld>
             <a:endParaRPr kumimoji="1" lang="ja-JP" altLang="en-US"/>
           </a:p>
@@ -1855,7 +1855,7 @@
           <a:p>
             <a:fld id="{5B96D3F8-CD2E-4A0D-AC38-517181EABB18}" type="datetimeFigureOut">
               <a:rPr kumimoji="1" lang="ja-JP" altLang="en-US" smtClean="0"/>
-              <a:t>2024/9/11</a:t>
+              <a:t>2024/9/13</a:t>
             </a:fld>
             <a:endParaRPr kumimoji="1" lang="ja-JP" altLang="en-US"/>
           </a:p>
@@ -1973,7 +1973,7 @@
           <a:p>
             <a:fld id="{5B96D3F8-CD2E-4A0D-AC38-517181EABB18}" type="datetimeFigureOut">
               <a:rPr kumimoji="1" lang="ja-JP" altLang="en-US" smtClean="0"/>
-              <a:t>2024/9/11</a:t>
+              <a:t>2024/9/13</a:t>
             </a:fld>
             <a:endParaRPr kumimoji="1" lang="ja-JP" altLang="en-US"/>
           </a:p>
@@ -2068,7 +2068,7 @@
           <a:p>
             <a:fld id="{5B96D3F8-CD2E-4A0D-AC38-517181EABB18}" type="datetimeFigureOut">
               <a:rPr kumimoji="1" lang="ja-JP" altLang="en-US" smtClean="0"/>
-              <a:t>2024/9/11</a:t>
+              <a:t>2024/9/13</a:t>
             </a:fld>
             <a:endParaRPr kumimoji="1" lang="ja-JP" altLang="en-US"/>
           </a:p>
@@ -2377,7 +2377,7 @@
           <a:p>
             <a:fld id="{5B96D3F8-CD2E-4A0D-AC38-517181EABB18}" type="datetimeFigureOut">
               <a:rPr kumimoji="1" lang="ja-JP" altLang="en-US" smtClean="0"/>
-              <a:t>2024/9/11</a:t>
+              <a:t>2024/9/13</a:t>
             </a:fld>
             <a:endParaRPr kumimoji="1" lang="ja-JP" altLang="en-US"/>
           </a:p>
@@ -2634,7 +2634,7 @@
           <a:p>
             <a:fld id="{5B96D3F8-CD2E-4A0D-AC38-517181EABB18}" type="datetimeFigureOut">
               <a:rPr kumimoji="1" lang="ja-JP" altLang="en-US" smtClean="0"/>
-              <a:t>2024/9/11</a:t>
+              <a:t>2024/9/13</a:t>
             </a:fld>
             <a:endParaRPr kumimoji="1" lang="ja-JP" altLang="en-US"/>
           </a:p>
@@ -2879,7 +2879,7 @@
           <a:p>
             <a:fld id="{5B96D3F8-CD2E-4A0D-AC38-517181EABB18}" type="datetimeFigureOut">
               <a:rPr kumimoji="1" lang="ja-JP" altLang="en-US" smtClean="0"/>
-              <a:t>2024/9/11</a:t>
+              <a:t>2024/9/13</a:t>
             </a:fld>
             <a:endParaRPr kumimoji="1" lang="ja-JP" altLang="en-US"/>
           </a:p>
@@ -9951,7 +9951,7 @@
         <p:spPr>
           <a:xfrm>
             <a:off x="4588267" y="5538767"/>
-            <a:ext cx="4143751" cy="954107"/>
+            <a:ext cx="5389451" cy="954107"/>
           </a:xfrm>
           <a:prstGeom prst="rect">
             <a:avLst/>

--- a/授業資料/講義資料：new演算子とdelete演算子.pptx
+++ b/授業資料/講義資料：new演算子とdelete演算子.pptx
@@ -266,7 +266,7 @@
           <a:p>
             <a:fld id="{5B96D3F8-CD2E-4A0D-AC38-517181EABB18}" type="datetimeFigureOut">
               <a:rPr kumimoji="1" lang="ja-JP" altLang="en-US" smtClean="0"/>
-              <a:t>2024/9/13</a:t>
+              <a:t>2024/9/17</a:t>
             </a:fld>
             <a:endParaRPr kumimoji="1" lang="ja-JP" altLang="en-US"/>
           </a:p>
@@ -468,7 +468,7 @@
           <a:p>
             <a:fld id="{5B96D3F8-CD2E-4A0D-AC38-517181EABB18}" type="datetimeFigureOut">
               <a:rPr kumimoji="1" lang="ja-JP" altLang="en-US" smtClean="0"/>
-              <a:t>2024/9/13</a:t>
+              <a:t>2024/9/17</a:t>
             </a:fld>
             <a:endParaRPr kumimoji="1" lang="ja-JP" altLang="en-US"/>
           </a:p>
@@ -680,7 +680,7 @@
           <a:p>
             <a:fld id="{5B96D3F8-CD2E-4A0D-AC38-517181EABB18}" type="datetimeFigureOut">
               <a:rPr kumimoji="1" lang="ja-JP" altLang="en-US" smtClean="0"/>
-              <a:t>2024/9/13</a:t>
+              <a:t>2024/9/17</a:t>
             </a:fld>
             <a:endParaRPr kumimoji="1" lang="ja-JP" altLang="en-US"/>
           </a:p>
@@ -882,7 +882,7 @@
           <a:p>
             <a:fld id="{5B96D3F8-CD2E-4A0D-AC38-517181EABB18}" type="datetimeFigureOut">
               <a:rPr kumimoji="1" lang="ja-JP" altLang="en-US" smtClean="0"/>
-              <a:t>2024/9/13</a:t>
+              <a:t>2024/9/17</a:t>
             </a:fld>
             <a:endParaRPr kumimoji="1" lang="ja-JP" altLang="en-US"/>
           </a:p>
@@ -1128,7 +1128,7 @@
           <a:p>
             <a:fld id="{5B96D3F8-CD2E-4A0D-AC38-517181EABB18}" type="datetimeFigureOut">
               <a:rPr kumimoji="1" lang="ja-JP" altLang="en-US" smtClean="0"/>
-              <a:t>2024/9/13</a:t>
+              <a:t>2024/9/17</a:t>
             </a:fld>
             <a:endParaRPr kumimoji="1" lang="ja-JP" altLang="en-US"/>
           </a:p>
@@ -1424,7 +1424,7 @@
           <a:p>
             <a:fld id="{5B96D3F8-CD2E-4A0D-AC38-517181EABB18}" type="datetimeFigureOut">
               <a:rPr kumimoji="1" lang="ja-JP" altLang="en-US" smtClean="0"/>
-              <a:t>2024/9/13</a:t>
+              <a:t>2024/9/17</a:t>
             </a:fld>
             <a:endParaRPr kumimoji="1" lang="ja-JP" altLang="en-US"/>
           </a:p>
@@ -1855,7 +1855,7 @@
           <a:p>
             <a:fld id="{5B96D3F8-CD2E-4A0D-AC38-517181EABB18}" type="datetimeFigureOut">
               <a:rPr kumimoji="1" lang="ja-JP" altLang="en-US" smtClean="0"/>
-              <a:t>2024/9/13</a:t>
+              <a:t>2024/9/17</a:t>
             </a:fld>
             <a:endParaRPr kumimoji="1" lang="ja-JP" altLang="en-US"/>
           </a:p>
@@ -1973,7 +1973,7 @@
           <a:p>
             <a:fld id="{5B96D3F8-CD2E-4A0D-AC38-517181EABB18}" type="datetimeFigureOut">
               <a:rPr kumimoji="1" lang="ja-JP" altLang="en-US" smtClean="0"/>
-              <a:t>2024/9/13</a:t>
+              <a:t>2024/9/17</a:t>
             </a:fld>
             <a:endParaRPr kumimoji="1" lang="ja-JP" altLang="en-US"/>
           </a:p>
@@ -2068,7 +2068,7 @@
           <a:p>
             <a:fld id="{5B96D3F8-CD2E-4A0D-AC38-517181EABB18}" type="datetimeFigureOut">
               <a:rPr kumimoji="1" lang="ja-JP" altLang="en-US" smtClean="0"/>
-              <a:t>2024/9/13</a:t>
+              <a:t>2024/9/17</a:t>
             </a:fld>
             <a:endParaRPr kumimoji="1" lang="ja-JP" altLang="en-US"/>
           </a:p>
@@ -2377,7 +2377,7 @@
           <a:p>
             <a:fld id="{5B96D3F8-CD2E-4A0D-AC38-517181EABB18}" type="datetimeFigureOut">
               <a:rPr kumimoji="1" lang="ja-JP" altLang="en-US" smtClean="0"/>
-              <a:t>2024/9/13</a:t>
+              <a:t>2024/9/17</a:t>
             </a:fld>
             <a:endParaRPr kumimoji="1" lang="ja-JP" altLang="en-US"/>
           </a:p>
@@ -2634,7 +2634,7 @@
           <a:p>
             <a:fld id="{5B96D3F8-CD2E-4A0D-AC38-517181EABB18}" type="datetimeFigureOut">
               <a:rPr kumimoji="1" lang="ja-JP" altLang="en-US" smtClean="0"/>
-              <a:t>2024/9/13</a:t>
+              <a:t>2024/9/17</a:t>
             </a:fld>
             <a:endParaRPr kumimoji="1" lang="ja-JP" altLang="en-US"/>
           </a:p>
@@ -2879,7 +2879,7 @@
           <a:p>
             <a:fld id="{5B96D3F8-CD2E-4A0D-AC38-517181EABB18}" type="datetimeFigureOut">
               <a:rPr kumimoji="1" lang="ja-JP" altLang="en-US" smtClean="0"/>
-              <a:t>2024/9/13</a:t>
+              <a:t>2024/9/17</a:t>
             </a:fld>
             <a:endParaRPr kumimoji="1" lang="ja-JP" altLang="en-US"/>
           </a:p>
@@ -6388,6 +6388,71 @@
           </a:p>
         </p:txBody>
       </p:sp>
+      <p:sp>
+        <p:nvSpPr>
+          <p:cNvPr id="4" name="テキスト ボックス 3">
+            <a:extLst>
+              <a:ext uri="{FF2B5EF4-FFF2-40B4-BE49-F238E27FC236}">
+                <a16:creationId xmlns:a16="http://schemas.microsoft.com/office/drawing/2014/main" id="{1D062B92-03A2-171F-A8EA-4BB5E87FCA90}"/>
+              </a:ext>
+            </a:extLst>
+          </p:cNvPr>
+          <p:cNvSpPr txBox="1"/>
+          <p:nvPr/>
+        </p:nvSpPr>
+        <p:spPr>
+          <a:xfrm>
+            <a:off x="9008956" y="1162976"/>
+            <a:ext cx="2885726" cy="830997"/>
+          </a:xfrm>
+          <a:prstGeom prst="rect">
+            <a:avLst/>
+          </a:prstGeom>
+          <a:noFill/>
+        </p:spPr>
+        <p:txBody>
+          <a:bodyPr wrap="none" rtlCol="0">
+            <a:spAutoFit/>
+          </a:bodyPr>
+          <a:lstStyle/>
+          <a:p>
+            <a:r>
+              <a:rPr kumimoji="1" lang="en-US" altLang="ja-JP" sz="2400" b="1" dirty="0">
+                <a:solidFill>
+                  <a:srgbClr val="00B050"/>
+                </a:solidFill>
+              </a:rPr>
+              <a:t>【</a:t>
+            </a:r>
+            <a:r>
+              <a:rPr kumimoji="1" lang="ja-JP" altLang="en-US" sz="2400" b="1" dirty="0">
+                <a:solidFill>
+                  <a:srgbClr val="00B050"/>
+                </a:solidFill>
+              </a:rPr>
+              <a:t>参考プログラム</a:t>
+            </a:r>
+            <a:r>
+              <a:rPr kumimoji="1" lang="en-US" altLang="ja-JP" sz="2400" b="1" dirty="0">
+                <a:solidFill>
+                  <a:srgbClr val="00B050"/>
+                </a:solidFill>
+              </a:rPr>
+              <a:t>】</a:t>
+            </a:r>
+          </a:p>
+          <a:p>
+            <a:r>
+              <a:rPr kumimoji="1" lang="ja-JP" altLang="en-US" sz="2400" b="1" dirty="0">
+                <a:solidFill>
+                  <a:srgbClr val="00B050"/>
+                </a:solidFill>
+              </a:rPr>
+              <a:t>今は覚えなくてよい</a:t>
+            </a:r>
+          </a:p>
+        </p:txBody>
+      </p:sp>
     </p:spTree>
     <p:extLst>
       <p:ext uri="{BB962C8B-B14F-4D97-AF65-F5344CB8AC3E}">
@@ -6420,6 +6485,71 @@
       </p:grpSpPr>
       <p:sp>
         <p:nvSpPr>
+          <p:cNvPr id="8" name="テキスト ボックス 7">
+            <a:extLst>
+              <a:ext uri="{FF2B5EF4-FFF2-40B4-BE49-F238E27FC236}">
+                <a16:creationId xmlns:a16="http://schemas.microsoft.com/office/drawing/2014/main" id="{CB532903-6D40-A7F0-3430-4A95F3F48C63}"/>
+              </a:ext>
+            </a:extLst>
+          </p:cNvPr>
+          <p:cNvSpPr txBox="1"/>
+          <p:nvPr/>
+        </p:nvSpPr>
+        <p:spPr>
+          <a:xfrm>
+            <a:off x="9091935" y="1137256"/>
+            <a:ext cx="2885726" cy="830997"/>
+          </a:xfrm>
+          <a:prstGeom prst="rect">
+            <a:avLst/>
+          </a:prstGeom>
+          <a:noFill/>
+        </p:spPr>
+        <p:txBody>
+          <a:bodyPr wrap="none" rtlCol="0">
+            <a:spAutoFit/>
+          </a:bodyPr>
+          <a:lstStyle/>
+          <a:p>
+            <a:r>
+              <a:rPr kumimoji="1" lang="en-US" altLang="ja-JP" sz="2400" b="1" dirty="0">
+                <a:solidFill>
+                  <a:srgbClr val="00B050"/>
+                </a:solidFill>
+              </a:rPr>
+              <a:t>【</a:t>
+            </a:r>
+            <a:r>
+              <a:rPr kumimoji="1" lang="ja-JP" altLang="en-US" sz="2400" b="1" dirty="0">
+                <a:solidFill>
+                  <a:srgbClr val="00B050"/>
+                </a:solidFill>
+              </a:rPr>
+              <a:t>参考プログラム</a:t>
+            </a:r>
+            <a:r>
+              <a:rPr kumimoji="1" lang="en-US" altLang="ja-JP" sz="2400" b="1" dirty="0">
+                <a:solidFill>
+                  <a:srgbClr val="00B050"/>
+                </a:solidFill>
+              </a:rPr>
+              <a:t>】</a:t>
+            </a:r>
+          </a:p>
+          <a:p>
+            <a:r>
+              <a:rPr kumimoji="1" lang="ja-JP" altLang="en-US" sz="2400" b="1" dirty="0">
+                <a:solidFill>
+                  <a:srgbClr val="00B050"/>
+                </a:solidFill>
+              </a:rPr>
+              <a:t>今は覚えなくてよい</a:t>
+            </a:r>
+          </a:p>
+        </p:txBody>
+      </p:sp>
+      <p:sp>
+        <p:nvSpPr>
           <p:cNvPr id="2" name="タイトル 1">
             <a:extLst>
               <a:ext uri="{FF2B5EF4-FFF2-40B4-BE49-F238E27FC236}">
@@ -6917,15 +7047,7 @@
             </a:r>
             <a:r>
               <a:rPr kumimoji="1" lang="ja-JP" altLang="en-US" sz="2800" dirty="0"/>
-              <a:t>クラスの</a:t>
-            </a:r>
-            <a:r>
-              <a:rPr kumimoji="1" lang="ja-JP" altLang="en-US" sz="2800" b="1" dirty="0">
-                <a:solidFill>
-                  <a:srgbClr val="FF00FF"/>
-                </a:solidFill>
-              </a:rPr>
-              <a:t>スマートポインタ</a:t>
+              <a:t>クラスのスマートポインタ</a:t>
             </a:r>
             <a:r>
               <a:rPr kumimoji="1" lang="en-US" altLang="ja-JP" sz="2800" dirty="0" err="1">
@@ -6949,19 +7071,7 @@
             </a:r>
             <a:r>
               <a:rPr kumimoji="1" lang="ja-JP" altLang="en-US" sz="2800" dirty="0"/>
-              <a:t>クラスの</a:t>
-            </a:r>
-            <a:r>
-              <a:rPr kumimoji="1" lang="ja-JP" altLang="en-US" sz="2800" dirty="0">
-                <a:solidFill>
-                  <a:srgbClr val="00B050"/>
-                </a:solidFill>
-              </a:rPr>
-              <a:t>コンストラクタ</a:t>
-            </a:r>
-            <a:r>
-              <a:rPr kumimoji="1" lang="ja-JP" altLang="en-US" sz="2800" dirty="0"/>
-              <a:t>を呼び</a:t>
+              <a:t>クラスのコンストラクタを呼び</a:t>
             </a:r>
             <a:br>
               <a:rPr kumimoji="1" lang="en-US" altLang="ja-JP" sz="2800" dirty="0"/>
@@ -7014,16 +7124,8 @@
           <a:lstStyle/>
           <a:p>
             <a:r>
-              <a:rPr kumimoji="1" lang="ja-JP" altLang="en-US" sz="2800" dirty="0">
-                <a:solidFill>
-                  <a:srgbClr val="FF00FF"/>
-                </a:solidFill>
-              </a:rPr>
-              <a:t>スマートポインタ</a:t>
-            </a:r>
-            <a:r>
               <a:rPr kumimoji="1" lang="ja-JP" altLang="en-US" sz="2800" dirty="0"/>
-              <a:t>の一番の利点は使用後に</a:t>
+              <a:t>スマートポインタの一番の利点は使用後に</a:t>
             </a:r>
             <a:br>
               <a:rPr kumimoji="1" lang="en-US" altLang="ja-JP" sz="2800" dirty="0"/>
@@ -7038,7 +7140,7 @@
             </a:r>
             <a:r>
               <a:rPr kumimoji="1" lang="ja-JP" altLang="en-US" sz="2800" dirty="0"/>
-              <a:t>してくれる</a:t>
+              <a:t>してくれること</a:t>
             </a:r>
             <a:endParaRPr kumimoji="1" lang="ja-JP" altLang="en-US" sz="2800" dirty="0">
               <a:solidFill>
@@ -7790,7 +7892,7 @@
         </p:nvSpPr>
         <p:spPr>
           <a:xfrm>
-            <a:off x="1048254" y="1942532"/>
+            <a:off x="1252535" y="1923077"/>
             <a:ext cx="10768607" cy="3785652"/>
           </a:xfrm>
           <a:prstGeom prst="rect">
@@ -7844,7 +7946,11 @@
               <a:t> = </a:t>
             </a:r>
             <a:r>
-              <a:rPr kumimoji="1" lang="en-US" altLang="ja-JP" sz="2400" dirty="0" err="1"/>
+              <a:rPr kumimoji="1" lang="en-US" altLang="ja-JP" sz="2400" dirty="0" err="1">
+                <a:solidFill>
+                  <a:srgbClr val="00B050"/>
+                </a:solidFill>
+              </a:rPr>
               <a:t>nullptr</a:t>
             </a:r>
             <a:r>
@@ -7921,7 +8027,15 @@
                   <a:srgbClr val="FF0000"/>
                 </a:solidFill>
               </a:rPr>
-              <a:t>delete p</a:t>
+              <a:t>delete </a:t>
+            </a:r>
+            <a:r>
+              <a:rPr kumimoji="1" lang="en-US" altLang="ja-JP" sz="2400" dirty="0">
+                <a:solidFill>
+                  <a:srgbClr val="00B0F0"/>
+                </a:solidFill>
+              </a:rPr>
+              <a:t>p</a:t>
             </a:r>
             <a:r>
               <a:rPr kumimoji="1" lang="en-US" altLang="ja-JP" sz="2400" dirty="0"/>
@@ -8054,8 +8168,8 @@
         </p:nvSpPr>
         <p:spPr>
           <a:xfrm>
-            <a:off x="3774350" y="4774077"/>
-            <a:ext cx="4143751" cy="954107"/>
+            <a:off x="3918572" y="4258511"/>
+            <a:ext cx="4980544" cy="954107"/>
           </a:xfrm>
           <a:prstGeom prst="rect">
             <a:avLst/>
@@ -8077,7 +8191,26 @@
           <a:p>
             <a:r>
               <a:rPr kumimoji="1" lang="ja-JP" altLang="en-US" sz="2800" dirty="0"/>
-              <a:t>ポインタで使用していたメモリ領域を解放</a:t>
+              <a:t>使用していたメモリ領域</a:t>
+            </a:r>
+            <a:br>
+              <a:rPr kumimoji="1" lang="en-US" altLang="ja-JP" sz="2800" dirty="0"/>
+            </a:br>
+            <a:r>
+              <a:rPr kumimoji="1" lang="ja-JP" altLang="en-US" sz="2800" dirty="0"/>
+              <a:t>（アドレスは</a:t>
+            </a:r>
+            <a:r>
+              <a:rPr kumimoji="1" lang="en-US" altLang="ja-JP" sz="2800" dirty="0">
+                <a:solidFill>
+                  <a:srgbClr val="00B0F0"/>
+                </a:solidFill>
+              </a:rPr>
+              <a:t>p</a:t>
+            </a:r>
+            <a:r>
+              <a:rPr kumimoji="1" lang="ja-JP" altLang="en-US" sz="2800" dirty="0"/>
+              <a:t>に格納）を解放</a:t>
             </a:r>
           </a:p>
         </p:txBody>
@@ -8396,6 +8529,71 @@
           </a:p>
         </p:txBody>
       </p:sp>
+      <p:sp>
+        <p:nvSpPr>
+          <p:cNvPr id="6" name="テキスト ボックス 5">
+            <a:extLst>
+              <a:ext uri="{FF2B5EF4-FFF2-40B4-BE49-F238E27FC236}">
+                <a16:creationId xmlns:a16="http://schemas.microsoft.com/office/drawing/2014/main" id="{49282E6C-AEAD-3A06-713E-CE70CF0EDD3B}"/>
+              </a:ext>
+            </a:extLst>
+          </p:cNvPr>
+          <p:cNvSpPr txBox="1"/>
+          <p:nvPr/>
+        </p:nvSpPr>
+        <p:spPr>
+          <a:xfrm>
+            <a:off x="7578990" y="1162976"/>
+            <a:ext cx="2885726" cy="830997"/>
+          </a:xfrm>
+          <a:prstGeom prst="rect">
+            <a:avLst/>
+          </a:prstGeom>
+          <a:noFill/>
+        </p:spPr>
+        <p:txBody>
+          <a:bodyPr wrap="none" rtlCol="0">
+            <a:spAutoFit/>
+          </a:bodyPr>
+          <a:lstStyle/>
+          <a:p>
+            <a:r>
+              <a:rPr kumimoji="1" lang="en-US" altLang="ja-JP" sz="2400" b="1" dirty="0">
+                <a:solidFill>
+                  <a:srgbClr val="00B050"/>
+                </a:solidFill>
+              </a:rPr>
+              <a:t>【</a:t>
+            </a:r>
+            <a:r>
+              <a:rPr kumimoji="1" lang="ja-JP" altLang="en-US" sz="2400" b="1" dirty="0">
+                <a:solidFill>
+                  <a:srgbClr val="00B050"/>
+                </a:solidFill>
+              </a:rPr>
+              <a:t>参考プログラム</a:t>
+            </a:r>
+            <a:r>
+              <a:rPr kumimoji="1" lang="en-US" altLang="ja-JP" sz="2400" b="1" dirty="0">
+                <a:solidFill>
+                  <a:srgbClr val="00B050"/>
+                </a:solidFill>
+              </a:rPr>
+              <a:t>】</a:t>
+            </a:r>
+          </a:p>
+          <a:p>
+            <a:r>
+              <a:rPr kumimoji="1" lang="ja-JP" altLang="en-US" sz="2400" b="1" dirty="0">
+                <a:solidFill>
+                  <a:srgbClr val="00B050"/>
+                </a:solidFill>
+              </a:rPr>
+              <a:t>今は覚えなくてよい</a:t>
+            </a:r>
+          </a:p>
+        </p:txBody>
+      </p:sp>
     </p:spTree>
     <p:extLst>
       <p:ext uri="{BB962C8B-B14F-4D97-AF65-F5344CB8AC3E}">
@@ -8740,6 +8938,71 @@
           </a:p>
         </p:txBody>
       </p:sp>
+      <p:sp>
+        <p:nvSpPr>
+          <p:cNvPr id="6" name="テキスト ボックス 5">
+            <a:extLst>
+              <a:ext uri="{FF2B5EF4-FFF2-40B4-BE49-F238E27FC236}">
+                <a16:creationId xmlns:a16="http://schemas.microsoft.com/office/drawing/2014/main" id="{80DAB04A-8A84-DD14-1D74-E4A224651E02}"/>
+              </a:ext>
+            </a:extLst>
+          </p:cNvPr>
+          <p:cNvSpPr txBox="1"/>
+          <p:nvPr/>
+        </p:nvSpPr>
+        <p:spPr>
+          <a:xfrm>
+            <a:off x="7598446" y="1162976"/>
+            <a:ext cx="2885726" cy="830997"/>
+          </a:xfrm>
+          <a:prstGeom prst="rect">
+            <a:avLst/>
+          </a:prstGeom>
+          <a:noFill/>
+        </p:spPr>
+        <p:txBody>
+          <a:bodyPr wrap="none" rtlCol="0">
+            <a:spAutoFit/>
+          </a:bodyPr>
+          <a:lstStyle/>
+          <a:p>
+            <a:r>
+              <a:rPr kumimoji="1" lang="en-US" altLang="ja-JP" sz="2400" b="1" dirty="0">
+                <a:solidFill>
+                  <a:srgbClr val="00B050"/>
+                </a:solidFill>
+              </a:rPr>
+              <a:t>【</a:t>
+            </a:r>
+            <a:r>
+              <a:rPr kumimoji="1" lang="ja-JP" altLang="en-US" sz="2400" b="1" dirty="0">
+                <a:solidFill>
+                  <a:srgbClr val="00B050"/>
+                </a:solidFill>
+              </a:rPr>
+              <a:t>参考プログラム</a:t>
+            </a:r>
+            <a:r>
+              <a:rPr kumimoji="1" lang="en-US" altLang="ja-JP" sz="2400" b="1" dirty="0">
+                <a:solidFill>
+                  <a:srgbClr val="00B050"/>
+                </a:solidFill>
+              </a:rPr>
+              <a:t>】</a:t>
+            </a:r>
+          </a:p>
+          <a:p>
+            <a:r>
+              <a:rPr kumimoji="1" lang="ja-JP" altLang="en-US" sz="2400" b="1" dirty="0">
+                <a:solidFill>
+                  <a:srgbClr val="00B050"/>
+                </a:solidFill>
+              </a:rPr>
+              <a:t>今は覚えなくてよい</a:t>
+            </a:r>
+          </a:p>
+        </p:txBody>
+      </p:sp>
     </p:spTree>
     <p:extLst>
       <p:ext uri="{BB962C8B-B14F-4D97-AF65-F5344CB8AC3E}">
@@ -10426,6 +10689,71 @@
           </a:p>
         </p:txBody>
       </p:sp>
+      <p:sp>
+        <p:nvSpPr>
+          <p:cNvPr id="6" name="テキスト ボックス 5">
+            <a:extLst>
+              <a:ext uri="{FF2B5EF4-FFF2-40B4-BE49-F238E27FC236}">
+                <a16:creationId xmlns:a16="http://schemas.microsoft.com/office/drawing/2014/main" id="{9B1774B1-D406-26D9-5D61-FFFF9FE192DE}"/>
+              </a:ext>
+            </a:extLst>
+          </p:cNvPr>
+          <p:cNvSpPr txBox="1"/>
+          <p:nvPr/>
+        </p:nvSpPr>
+        <p:spPr>
+          <a:xfrm>
+            <a:off x="7588718" y="1111535"/>
+            <a:ext cx="2885726" cy="830997"/>
+          </a:xfrm>
+          <a:prstGeom prst="rect">
+            <a:avLst/>
+          </a:prstGeom>
+          <a:noFill/>
+        </p:spPr>
+        <p:txBody>
+          <a:bodyPr wrap="none" rtlCol="0">
+            <a:spAutoFit/>
+          </a:bodyPr>
+          <a:lstStyle/>
+          <a:p>
+            <a:r>
+              <a:rPr kumimoji="1" lang="en-US" altLang="ja-JP" sz="2400" b="1" dirty="0">
+                <a:solidFill>
+                  <a:srgbClr val="00B050"/>
+                </a:solidFill>
+              </a:rPr>
+              <a:t>【</a:t>
+            </a:r>
+            <a:r>
+              <a:rPr kumimoji="1" lang="ja-JP" altLang="en-US" sz="2400" b="1" dirty="0">
+                <a:solidFill>
+                  <a:srgbClr val="00B050"/>
+                </a:solidFill>
+              </a:rPr>
+              <a:t>参考プログラム</a:t>
+            </a:r>
+            <a:r>
+              <a:rPr kumimoji="1" lang="en-US" altLang="ja-JP" sz="2400" b="1" dirty="0">
+                <a:solidFill>
+                  <a:srgbClr val="00B050"/>
+                </a:solidFill>
+              </a:rPr>
+              <a:t>】</a:t>
+            </a:r>
+          </a:p>
+          <a:p>
+            <a:r>
+              <a:rPr kumimoji="1" lang="ja-JP" altLang="en-US" sz="2400" b="1" dirty="0">
+                <a:solidFill>
+                  <a:srgbClr val="00B050"/>
+                </a:solidFill>
+              </a:rPr>
+              <a:t>今は覚えなくてよい</a:t>
+            </a:r>
+          </a:p>
+        </p:txBody>
+      </p:sp>
     </p:spTree>
     <p:extLst>
       <p:ext uri="{BB962C8B-B14F-4D97-AF65-F5344CB8AC3E}">
@@ -10584,7 +10912,7 @@
             <a:pPr lvl="1"/>
             <a:r>
               <a:rPr lang="ja-JP" altLang="en-US" dirty="0"/>
-              <a:t>プログラム時に注意すればどちらを使ってもよい</a:t>
+              <a:t>授業ではテキストに沿って、生ポインタを使用する</a:t>
             </a:r>
             <a:endParaRPr lang="en-US" altLang="ja-JP" dirty="0"/>
           </a:p>

--- a/授業資料/講義資料：new演算子とdelete演算子.pptx
+++ b/授業資料/講義資料：new演算子とdelete演算子.pptx
@@ -266,7 +266,7 @@
           <a:p>
             <a:fld id="{5B96D3F8-CD2E-4A0D-AC38-517181EABB18}" type="datetimeFigureOut">
               <a:rPr kumimoji="1" lang="ja-JP" altLang="en-US" smtClean="0"/>
-              <a:t>2024/9/17</a:t>
+              <a:t>2024/9/18</a:t>
             </a:fld>
             <a:endParaRPr kumimoji="1" lang="ja-JP" altLang="en-US"/>
           </a:p>
@@ -468,7 +468,7 @@
           <a:p>
             <a:fld id="{5B96D3F8-CD2E-4A0D-AC38-517181EABB18}" type="datetimeFigureOut">
               <a:rPr kumimoji="1" lang="ja-JP" altLang="en-US" smtClean="0"/>
-              <a:t>2024/9/17</a:t>
+              <a:t>2024/9/18</a:t>
             </a:fld>
             <a:endParaRPr kumimoji="1" lang="ja-JP" altLang="en-US"/>
           </a:p>
@@ -680,7 +680,7 @@
           <a:p>
             <a:fld id="{5B96D3F8-CD2E-4A0D-AC38-517181EABB18}" type="datetimeFigureOut">
               <a:rPr kumimoji="1" lang="ja-JP" altLang="en-US" smtClean="0"/>
-              <a:t>2024/9/17</a:t>
+              <a:t>2024/9/18</a:t>
             </a:fld>
             <a:endParaRPr kumimoji="1" lang="ja-JP" altLang="en-US"/>
           </a:p>
@@ -882,7 +882,7 @@
           <a:p>
             <a:fld id="{5B96D3F8-CD2E-4A0D-AC38-517181EABB18}" type="datetimeFigureOut">
               <a:rPr kumimoji="1" lang="ja-JP" altLang="en-US" smtClean="0"/>
-              <a:t>2024/9/17</a:t>
+              <a:t>2024/9/18</a:t>
             </a:fld>
             <a:endParaRPr kumimoji="1" lang="ja-JP" altLang="en-US"/>
           </a:p>
@@ -1128,7 +1128,7 @@
           <a:p>
             <a:fld id="{5B96D3F8-CD2E-4A0D-AC38-517181EABB18}" type="datetimeFigureOut">
               <a:rPr kumimoji="1" lang="ja-JP" altLang="en-US" smtClean="0"/>
-              <a:t>2024/9/17</a:t>
+              <a:t>2024/9/18</a:t>
             </a:fld>
             <a:endParaRPr kumimoji="1" lang="ja-JP" altLang="en-US"/>
           </a:p>
@@ -1424,7 +1424,7 @@
           <a:p>
             <a:fld id="{5B96D3F8-CD2E-4A0D-AC38-517181EABB18}" type="datetimeFigureOut">
               <a:rPr kumimoji="1" lang="ja-JP" altLang="en-US" smtClean="0"/>
-              <a:t>2024/9/17</a:t>
+              <a:t>2024/9/18</a:t>
             </a:fld>
             <a:endParaRPr kumimoji="1" lang="ja-JP" altLang="en-US"/>
           </a:p>
@@ -1855,7 +1855,7 @@
           <a:p>
             <a:fld id="{5B96D3F8-CD2E-4A0D-AC38-517181EABB18}" type="datetimeFigureOut">
               <a:rPr kumimoji="1" lang="ja-JP" altLang="en-US" smtClean="0"/>
-              <a:t>2024/9/17</a:t>
+              <a:t>2024/9/18</a:t>
             </a:fld>
             <a:endParaRPr kumimoji="1" lang="ja-JP" altLang="en-US"/>
           </a:p>
@@ -1973,7 +1973,7 @@
           <a:p>
             <a:fld id="{5B96D3F8-CD2E-4A0D-AC38-517181EABB18}" type="datetimeFigureOut">
               <a:rPr kumimoji="1" lang="ja-JP" altLang="en-US" smtClean="0"/>
-              <a:t>2024/9/17</a:t>
+              <a:t>2024/9/18</a:t>
             </a:fld>
             <a:endParaRPr kumimoji="1" lang="ja-JP" altLang="en-US"/>
           </a:p>
@@ -2068,7 +2068,7 @@
           <a:p>
             <a:fld id="{5B96D3F8-CD2E-4A0D-AC38-517181EABB18}" type="datetimeFigureOut">
               <a:rPr kumimoji="1" lang="ja-JP" altLang="en-US" smtClean="0"/>
-              <a:t>2024/9/17</a:t>
+              <a:t>2024/9/18</a:t>
             </a:fld>
             <a:endParaRPr kumimoji="1" lang="ja-JP" altLang="en-US"/>
           </a:p>
@@ -2377,7 +2377,7 @@
           <a:p>
             <a:fld id="{5B96D3F8-CD2E-4A0D-AC38-517181EABB18}" type="datetimeFigureOut">
               <a:rPr kumimoji="1" lang="ja-JP" altLang="en-US" smtClean="0"/>
-              <a:t>2024/9/17</a:t>
+              <a:t>2024/9/18</a:t>
             </a:fld>
             <a:endParaRPr kumimoji="1" lang="ja-JP" altLang="en-US"/>
           </a:p>
@@ -2634,7 +2634,7 @@
           <a:p>
             <a:fld id="{5B96D3F8-CD2E-4A0D-AC38-517181EABB18}" type="datetimeFigureOut">
               <a:rPr kumimoji="1" lang="ja-JP" altLang="en-US" smtClean="0"/>
-              <a:t>2024/9/17</a:t>
+              <a:t>2024/9/18</a:t>
             </a:fld>
             <a:endParaRPr kumimoji="1" lang="ja-JP" altLang="en-US"/>
           </a:p>
@@ -2879,7 +2879,7 @@
           <a:p>
             <a:fld id="{5B96D3F8-CD2E-4A0D-AC38-517181EABB18}" type="datetimeFigureOut">
               <a:rPr kumimoji="1" lang="ja-JP" altLang="en-US" smtClean="0"/>
-              <a:t>2024/9/17</a:t>
+              <a:t>2024/9/18</a:t>
             </a:fld>
             <a:endParaRPr kumimoji="1" lang="ja-JP" altLang="en-US"/>
           </a:p>
@@ -10010,6 +10010,50 @@
               <a:rPr kumimoji="1" lang="en-US" altLang="ja-JP" sz="2400" dirty="0"/>
               <a:t>;</a:t>
             </a:r>
+            <a:r>
+              <a:rPr kumimoji="1" lang="ja-JP" altLang="en-US" sz="2400" dirty="0"/>
+              <a:t>　</a:t>
+            </a:r>
+            <a:r>
+              <a:rPr kumimoji="1" lang="en-US" altLang="ja-JP" sz="2400" dirty="0">
+                <a:solidFill>
+                  <a:srgbClr val="00B050"/>
+                </a:solidFill>
+              </a:rPr>
+              <a:t>//*(p + </a:t>
+            </a:r>
+            <a:r>
+              <a:rPr kumimoji="1" lang="en-US" altLang="ja-JP" sz="2400" dirty="0" err="1">
+                <a:solidFill>
+                  <a:srgbClr val="00B050"/>
+                </a:solidFill>
+              </a:rPr>
+              <a:t>i</a:t>
+            </a:r>
+            <a:r>
+              <a:rPr kumimoji="1" lang="en-US" altLang="ja-JP" sz="2400" dirty="0">
+                <a:solidFill>
+                  <a:srgbClr val="00B050"/>
+                </a:solidFill>
+              </a:rPr>
+              <a:t>) = </a:t>
+            </a:r>
+            <a:r>
+              <a:rPr kumimoji="1" lang="en-US" altLang="ja-JP" sz="2400" dirty="0" err="1">
+                <a:solidFill>
+                  <a:srgbClr val="00B050"/>
+                </a:solidFill>
+              </a:rPr>
+              <a:t>i</a:t>
+            </a:r>
+            <a:r>
+              <a:rPr kumimoji="1" lang="en-US" altLang="ja-JP" sz="2400" dirty="0">
+                <a:solidFill>
+                  <a:srgbClr val="00B050"/>
+                </a:solidFill>
+              </a:rPr>
+              <a:t>;</a:t>
+            </a:r>
           </a:p>
           <a:p>
             <a:r>

--- a/授業資料/講義資料：new演算子とdelete演算子.pptx
+++ b/授業資料/講義資料：new演算子とdelete演算子.pptx
@@ -266,7 +266,7 @@
           <a:p>
             <a:fld id="{5B96D3F8-CD2E-4A0D-AC38-517181EABB18}" type="datetimeFigureOut">
               <a:rPr kumimoji="1" lang="ja-JP" altLang="en-US" smtClean="0"/>
-              <a:t>2024/9/18</a:t>
+              <a:t>2024/10/9</a:t>
             </a:fld>
             <a:endParaRPr kumimoji="1" lang="ja-JP" altLang="en-US"/>
           </a:p>
@@ -468,7 +468,7 @@
           <a:p>
             <a:fld id="{5B96D3F8-CD2E-4A0D-AC38-517181EABB18}" type="datetimeFigureOut">
               <a:rPr kumimoji="1" lang="ja-JP" altLang="en-US" smtClean="0"/>
-              <a:t>2024/9/18</a:t>
+              <a:t>2024/10/9</a:t>
             </a:fld>
             <a:endParaRPr kumimoji="1" lang="ja-JP" altLang="en-US"/>
           </a:p>
@@ -680,7 +680,7 @@
           <a:p>
             <a:fld id="{5B96D3F8-CD2E-4A0D-AC38-517181EABB18}" type="datetimeFigureOut">
               <a:rPr kumimoji="1" lang="ja-JP" altLang="en-US" smtClean="0"/>
-              <a:t>2024/9/18</a:t>
+              <a:t>2024/10/9</a:t>
             </a:fld>
             <a:endParaRPr kumimoji="1" lang="ja-JP" altLang="en-US"/>
           </a:p>
@@ -882,7 +882,7 @@
           <a:p>
             <a:fld id="{5B96D3F8-CD2E-4A0D-AC38-517181EABB18}" type="datetimeFigureOut">
               <a:rPr kumimoji="1" lang="ja-JP" altLang="en-US" smtClean="0"/>
-              <a:t>2024/9/18</a:t>
+              <a:t>2024/10/9</a:t>
             </a:fld>
             <a:endParaRPr kumimoji="1" lang="ja-JP" altLang="en-US"/>
           </a:p>
@@ -1128,7 +1128,7 @@
           <a:p>
             <a:fld id="{5B96D3F8-CD2E-4A0D-AC38-517181EABB18}" type="datetimeFigureOut">
               <a:rPr kumimoji="1" lang="ja-JP" altLang="en-US" smtClean="0"/>
-              <a:t>2024/9/18</a:t>
+              <a:t>2024/10/9</a:t>
             </a:fld>
             <a:endParaRPr kumimoji="1" lang="ja-JP" altLang="en-US"/>
           </a:p>
@@ -1424,7 +1424,7 @@
           <a:p>
             <a:fld id="{5B96D3F8-CD2E-4A0D-AC38-517181EABB18}" type="datetimeFigureOut">
               <a:rPr kumimoji="1" lang="ja-JP" altLang="en-US" smtClean="0"/>
-              <a:t>2024/9/18</a:t>
+              <a:t>2024/10/9</a:t>
             </a:fld>
             <a:endParaRPr kumimoji="1" lang="ja-JP" altLang="en-US"/>
           </a:p>
@@ -1855,7 +1855,7 @@
           <a:p>
             <a:fld id="{5B96D3F8-CD2E-4A0D-AC38-517181EABB18}" type="datetimeFigureOut">
               <a:rPr kumimoji="1" lang="ja-JP" altLang="en-US" smtClean="0"/>
-              <a:t>2024/9/18</a:t>
+              <a:t>2024/10/9</a:t>
             </a:fld>
             <a:endParaRPr kumimoji="1" lang="ja-JP" altLang="en-US"/>
           </a:p>
@@ -1973,7 +1973,7 @@
           <a:p>
             <a:fld id="{5B96D3F8-CD2E-4A0D-AC38-517181EABB18}" type="datetimeFigureOut">
               <a:rPr kumimoji="1" lang="ja-JP" altLang="en-US" smtClean="0"/>
-              <a:t>2024/9/18</a:t>
+              <a:t>2024/10/9</a:t>
             </a:fld>
             <a:endParaRPr kumimoji="1" lang="ja-JP" altLang="en-US"/>
           </a:p>
@@ -2068,7 +2068,7 @@
           <a:p>
             <a:fld id="{5B96D3F8-CD2E-4A0D-AC38-517181EABB18}" type="datetimeFigureOut">
               <a:rPr kumimoji="1" lang="ja-JP" altLang="en-US" smtClean="0"/>
-              <a:t>2024/9/18</a:t>
+              <a:t>2024/10/9</a:t>
             </a:fld>
             <a:endParaRPr kumimoji="1" lang="ja-JP" altLang="en-US"/>
           </a:p>
@@ -2377,7 +2377,7 @@
           <a:p>
             <a:fld id="{5B96D3F8-CD2E-4A0D-AC38-517181EABB18}" type="datetimeFigureOut">
               <a:rPr kumimoji="1" lang="ja-JP" altLang="en-US" smtClean="0"/>
-              <a:t>2024/9/18</a:t>
+              <a:t>2024/10/9</a:t>
             </a:fld>
             <a:endParaRPr kumimoji="1" lang="ja-JP" altLang="en-US"/>
           </a:p>
@@ -2634,7 +2634,7 @@
           <a:p>
             <a:fld id="{5B96D3F8-CD2E-4A0D-AC38-517181EABB18}" type="datetimeFigureOut">
               <a:rPr kumimoji="1" lang="ja-JP" altLang="en-US" smtClean="0"/>
-              <a:t>2024/9/18</a:t>
+              <a:t>2024/10/9</a:t>
             </a:fld>
             <a:endParaRPr kumimoji="1" lang="ja-JP" altLang="en-US"/>
           </a:p>
@@ -2879,7 +2879,7 @@
           <a:p>
             <a:fld id="{5B96D3F8-CD2E-4A0D-AC38-517181EABB18}" type="datetimeFigureOut">
               <a:rPr kumimoji="1" lang="ja-JP" altLang="en-US" smtClean="0"/>
-              <a:t>2024/9/18</a:t>
+              <a:t>2024/10/9</a:t>
             </a:fld>
             <a:endParaRPr kumimoji="1" lang="ja-JP" altLang="en-US"/>
           </a:p>
@@ -3484,7 +3484,7 @@
               <a:t>new</a:t>
             </a:r>
             <a:r>
-              <a:rPr lang="ja-JP" altLang="en-US" dirty="0"/>
+              <a:rPr lang="ja-JP" altLang="en-US"/>
               <a:t>演算子</a:t>
             </a:r>
             <a:br>

--- a/授業資料/講義資料：new演算子とdelete演算子.pptx
+++ b/授業資料/講義資料：new演算子とdelete演算子.pptx
@@ -22,13 +22,16 @@
     <p:sldId id="333" r:id="rId16"/>
     <p:sldId id="334" r:id="rId17"/>
     <p:sldId id="335" r:id="rId18"/>
-    <p:sldId id="336" r:id="rId19"/>
-    <p:sldId id="337" r:id="rId20"/>
-    <p:sldId id="338" r:id="rId21"/>
-    <p:sldId id="339" r:id="rId22"/>
-    <p:sldId id="341" r:id="rId23"/>
-    <p:sldId id="340" r:id="rId24"/>
-    <p:sldId id="342" r:id="rId25"/>
+    <p:sldId id="344" r:id="rId19"/>
+    <p:sldId id="336" r:id="rId20"/>
+    <p:sldId id="337" r:id="rId21"/>
+    <p:sldId id="338" r:id="rId22"/>
+    <p:sldId id="339" r:id="rId23"/>
+    <p:sldId id="341" r:id="rId24"/>
+    <p:sldId id="343" r:id="rId25"/>
+    <p:sldId id="340" r:id="rId26"/>
+    <p:sldId id="345" r:id="rId27"/>
+    <p:sldId id="342" r:id="rId28"/>
   </p:sldIdLst>
   <p:sldSz cx="12192000" cy="6858000"/>
   <p:notesSz cx="6858000" cy="9144000"/>
@@ -266,7 +269,7 @@
           <a:p>
             <a:fld id="{5B96D3F8-CD2E-4A0D-AC38-517181EABB18}" type="datetimeFigureOut">
               <a:rPr kumimoji="1" lang="ja-JP" altLang="en-US" smtClean="0"/>
-              <a:t>2024/10/9</a:t>
+              <a:t>2025/9/2</a:t>
             </a:fld>
             <a:endParaRPr kumimoji="1" lang="ja-JP" altLang="en-US"/>
           </a:p>
@@ -468,7 +471,7 @@
           <a:p>
             <a:fld id="{5B96D3F8-CD2E-4A0D-AC38-517181EABB18}" type="datetimeFigureOut">
               <a:rPr kumimoji="1" lang="ja-JP" altLang="en-US" smtClean="0"/>
-              <a:t>2024/10/9</a:t>
+              <a:t>2025/9/2</a:t>
             </a:fld>
             <a:endParaRPr kumimoji="1" lang="ja-JP" altLang="en-US"/>
           </a:p>
@@ -680,7 +683,7 @@
           <a:p>
             <a:fld id="{5B96D3F8-CD2E-4A0D-AC38-517181EABB18}" type="datetimeFigureOut">
               <a:rPr kumimoji="1" lang="ja-JP" altLang="en-US" smtClean="0"/>
-              <a:t>2024/10/9</a:t>
+              <a:t>2025/9/2</a:t>
             </a:fld>
             <a:endParaRPr kumimoji="1" lang="ja-JP" altLang="en-US"/>
           </a:p>
@@ -882,7 +885,7 @@
           <a:p>
             <a:fld id="{5B96D3F8-CD2E-4A0D-AC38-517181EABB18}" type="datetimeFigureOut">
               <a:rPr kumimoji="1" lang="ja-JP" altLang="en-US" smtClean="0"/>
-              <a:t>2024/10/9</a:t>
+              <a:t>2025/9/2</a:t>
             </a:fld>
             <a:endParaRPr kumimoji="1" lang="ja-JP" altLang="en-US"/>
           </a:p>
@@ -1128,7 +1131,7 @@
           <a:p>
             <a:fld id="{5B96D3F8-CD2E-4A0D-AC38-517181EABB18}" type="datetimeFigureOut">
               <a:rPr kumimoji="1" lang="ja-JP" altLang="en-US" smtClean="0"/>
-              <a:t>2024/10/9</a:t>
+              <a:t>2025/9/2</a:t>
             </a:fld>
             <a:endParaRPr kumimoji="1" lang="ja-JP" altLang="en-US"/>
           </a:p>
@@ -1424,7 +1427,7 @@
           <a:p>
             <a:fld id="{5B96D3F8-CD2E-4A0D-AC38-517181EABB18}" type="datetimeFigureOut">
               <a:rPr kumimoji="1" lang="ja-JP" altLang="en-US" smtClean="0"/>
-              <a:t>2024/10/9</a:t>
+              <a:t>2025/9/2</a:t>
             </a:fld>
             <a:endParaRPr kumimoji="1" lang="ja-JP" altLang="en-US"/>
           </a:p>
@@ -1855,7 +1858,7 @@
           <a:p>
             <a:fld id="{5B96D3F8-CD2E-4A0D-AC38-517181EABB18}" type="datetimeFigureOut">
               <a:rPr kumimoji="1" lang="ja-JP" altLang="en-US" smtClean="0"/>
-              <a:t>2024/10/9</a:t>
+              <a:t>2025/9/2</a:t>
             </a:fld>
             <a:endParaRPr kumimoji="1" lang="ja-JP" altLang="en-US"/>
           </a:p>
@@ -1973,7 +1976,7 @@
           <a:p>
             <a:fld id="{5B96D3F8-CD2E-4A0D-AC38-517181EABB18}" type="datetimeFigureOut">
               <a:rPr kumimoji="1" lang="ja-JP" altLang="en-US" smtClean="0"/>
-              <a:t>2024/10/9</a:t>
+              <a:t>2025/9/2</a:t>
             </a:fld>
             <a:endParaRPr kumimoji="1" lang="ja-JP" altLang="en-US"/>
           </a:p>
@@ -2068,7 +2071,7 @@
           <a:p>
             <a:fld id="{5B96D3F8-CD2E-4A0D-AC38-517181EABB18}" type="datetimeFigureOut">
               <a:rPr kumimoji="1" lang="ja-JP" altLang="en-US" smtClean="0"/>
-              <a:t>2024/10/9</a:t>
+              <a:t>2025/9/2</a:t>
             </a:fld>
             <a:endParaRPr kumimoji="1" lang="ja-JP" altLang="en-US"/>
           </a:p>
@@ -2377,7 +2380,7 @@
           <a:p>
             <a:fld id="{5B96D3F8-CD2E-4A0D-AC38-517181EABB18}" type="datetimeFigureOut">
               <a:rPr kumimoji="1" lang="ja-JP" altLang="en-US" smtClean="0"/>
-              <a:t>2024/10/9</a:t>
+              <a:t>2025/9/2</a:t>
             </a:fld>
             <a:endParaRPr kumimoji="1" lang="ja-JP" altLang="en-US"/>
           </a:p>
@@ -2634,7 +2637,7 @@
           <a:p>
             <a:fld id="{5B96D3F8-CD2E-4A0D-AC38-517181EABB18}" type="datetimeFigureOut">
               <a:rPr kumimoji="1" lang="ja-JP" altLang="en-US" smtClean="0"/>
-              <a:t>2024/10/9</a:t>
+              <a:t>2025/9/2</a:t>
             </a:fld>
             <a:endParaRPr kumimoji="1" lang="ja-JP" altLang="en-US"/>
           </a:p>
@@ -2879,7 +2882,7 @@
           <a:p>
             <a:fld id="{5B96D3F8-CD2E-4A0D-AC38-517181EABB18}" type="datetimeFigureOut">
               <a:rPr kumimoji="1" lang="ja-JP" altLang="en-US" smtClean="0"/>
-              <a:t>2024/10/9</a:t>
+              <a:t>2025/9/2</a:t>
             </a:fld>
             <a:endParaRPr kumimoji="1" lang="ja-JP" altLang="en-US"/>
           </a:p>
@@ -3453,38 +3456,24 @@
           <a:p>
             <a:r>
               <a:rPr lang="ja-JP" altLang="en-US" dirty="0"/>
-              <a:t>ヒープ領域を使って、インスタンス用のメモリを</a:t>
+              <a:t>メモリ上の空き領域をプログラマの使いたいタイミングで確保したり、いらなくなった時点でメモリを解放することができる</a:t>
             </a:r>
             <a:br>
               <a:rPr lang="en-US" altLang="ja-JP" dirty="0"/>
             </a:br>
+            <a:endParaRPr lang="en-US" altLang="ja-JP" dirty="0"/>
+          </a:p>
+          <a:p>
+            <a:r>
+              <a:rPr lang="en-US" altLang="ja-JP" dirty="0">
+                <a:solidFill>
+                  <a:srgbClr val="00B0F0"/>
+                </a:solidFill>
+              </a:rPr>
+              <a:t>new</a:t>
+            </a:r>
             <a:r>
               <a:rPr lang="ja-JP" altLang="en-US" dirty="0"/>
-              <a:t>プログラマの使いたいタイミングで確保したり、</a:t>
-            </a:r>
-            <a:br>
-              <a:rPr lang="en-US" altLang="ja-JP" dirty="0"/>
-            </a:br>
-            <a:r>
-              <a:rPr lang="ja-JP" altLang="en-US" dirty="0"/>
-              <a:t>いらなくなったらメモリを解放することができる</a:t>
-            </a:r>
-            <a:br>
-              <a:rPr lang="en-US" altLang="ja-JP" dirty="0"/>
-            </a:br>
-            <a:endParaRPr lang="en-US" altLang="ja-JP" dirty="0"/>
-          </a:p>
-          <a:p>
-            <a:r>
-              <a:rPr lang="en-US" altLang="ja-JP" dirty="0">
-                <a:solidFill>
-                  <a:srgbClr val="00B0F0"/>
-                </a:solidFill>
-              </a:rPr>
-              <a:t>new</a:t>
-            </a:r>
-            <a:r>
-              <a:rPr lang="ja-JP" altLang="en-US"/>
               <a:t>演算子</a:t>
             </a:r>
             <a:br>
@@ -3657,8 +3646,12 @@
               <a:rPr kumimoji="1" lang="en-US" altLang="ja-JP" dirty="0"/>
             </a:br>
             <a:r>
+              <a:rPr kumimoji="1" lang="en-US" altLang="ja-JP" dirty="0"/>
+              <a:t>new</a:t>
+            </a:r>
+            <a:r>
               <a:rPr kumimoji="1" lang="ja-JP" altLang="en-US" dirty="0"/>
-              <a:t>プログラム中で動的に確保したメモリ領域を使用後に解放せずに放置することで、使用できるメモリ領域が次第に減っていくこと</a:t>
+              <a:t>演算子等で動的に確保したメモリ領域を使用後に解放せずに放置することで、使用できるメモリ領域が次第に減っていくこと</a:t>
             </a:r>
             <a:br>
               <a:rPr kumimoji="1" lang="en-US" altLang="ja-JP" dirty="0"/>
@@ -5958,7 +5951,7 @@
 </file>
 
 <file path=ppt/slides/slide13.xml><?xml version="1.0" encoding="utf-8"?>
-<p:sld xmlns:a="http://schemas.openxmlformats.org/drawingml/2006/main" xmlns:r="http://schemas.openxmlformats.org/officeDocument/2006/relationships" xmlns:p="http://schemas.openxmlformats.org/presentationml/2006/main">
+<p:sld xmlns:a="http://schemas.openxmlformats.org/drawingml/2006/main" xmlns:r="http://schemas.openxmlformats.org/officeDocument/2006/relationships" xmlns:p="http://schemas.openxmlformats.org/presentationml/2006/main" show="0">
   <p:cSld>
     <p:spTree>
       <p:nvGrpSpPr>
@@ -6467,7 +6460,7 @@
 </file>
 
 <file path=ppt/slides/slide14.xml><?xml version="1.0" encoding="utf-8"?>
-<p:sld xmlns:a="http://schemas.openxmlformats.org/drawingml/2006/main" xmlns:r="http://schemas.openxmlformats.org/officeDocument/2006/relationships" xmlns:p="http://schemas.openxmlformats.org/presentationml/2006/main">
+<p:sld xmlns:a="http://schemas.openxmlformats.org/drawingml/2006/main" xmlns:r="http://schemas.openxmlformats.org/officeDocument/2006/relationships" xmlns:p="http://schemas.openxmlformats.org/presentationml/2006/main" show="0">
   <p:cSld>
     <p:spTree>
       <p:nvGrpSpPr>
@@ -8168,7 +8161,7 @@
         </p:nvSpPr>
         <p:spPr>
           <a:xfrm>
-            <a:off x="3918572" y="4258511"/>
+            <a:off x="3918572" y="4585961"/>
             <a:ext cx="4980544" cy="954107"/>
           </a:xfrm>
           <a:prstGeom prst="rect">
@@ -8301,6 +8294,332 @@
             <p:ph idx="1"/>
           </p:nvPr>
         </p:nvSpPr>
+        <p:spPr>
+          <a:xfrm>
+            <a:off x="838200" y="1345202"/>
+            <a:ext cx="10515600" cy="4980311"/>
+          </a:xfrm>
+        </p:spPr>
+        <p:txBody>
+          <a:bodyPr>
+            <a:normAutofit/>
+          </a:bodyPr>
+          <a:lstStyle/>
+          <a:p>
+            <a:r>
+              <a:rPr kumimoji="1" lang="en-US" altLang="ja-JP" dirty="0"/>
+              <a:t>main.cpp</a:t>
+            </a:r>
+            <a:r>
+              <a:rPr kumimoji="1" lang="ja-JP" altLang="en-US" dirty="0"/>
+              <a:t>　</a:t>
+            </a:r>
+            <a:r>
+              <a:rPr kumimoji="1" lang="en-US" altLang="ja-JP" dirty="0"/>
+              <a:t>(Sample403)</a:t>
+            </a:r>
+            <a:br>
+              <a:rPr lang="en-US" altLang="ja-JP" dirty="0"/>
+            </a:br>
+            <a:endParaRPr lang="en-US" altLang="ja-JP" dirty="0"/>
+          </a:p>
+          <a:p>
+            <a:pPr marL="0" indent="0">
+              <a:buNone/>
+            </a:pPr>
+            <a:br>
+              <a:rPr lang="en-US" altLang="ja-JP" dirty="0"/>
+            </a:br>
+            <a:br>
+              <a:rPr lang="en-US" altLang="ja-JP" dirty="0"/>
+            </a:br>
+            <a:br>
+              <a:rPr lang="en-US" altLang="ja-JP" dirty="0"/>
+            </a:br>
+            <a:br>
+              <a:rPr lang="en-US" altLang="ja-JP" sz="2400" dirty="0"/>
+            </a:br>
+            <a:br>
+              <a:rPr lang="en-US" altLang="ja-JP" sz="2400" dirty="0"/>
+            </a:br>
+            <a:endParaRPr lang="en-US" altLang="ja-JP" sz="2400" dirty="0"/>
+          </a:p>
+          <a:p>
+            <a:pPr marL="0" indent="0">
+              <a:buNone/>
+            </a:pPr>
+            <a:br>
+              <a:rPr lang="en-US" altLang="ja-JP" sz="2400" dirty="0"/>
+            </a:br>
+            <a:br>
+              <a:rPr lang="en-US" altLang="ja-JP" sz="2400" dirty="0"/>
+            </a:br>
+            <a:endParaRPr lang="en-US" altLang="ja-JP" dirty="0">
+              <a:solidFill>
+                <a:srgbClr val="FF0000"/>
+              </a:solidFill>
+            </a:endParaRPr>
+          </a:p>
+        </p:txBody>
+      </p:sp>
+      <p:sp>
+        <p:nvSpPr>
+          <p:cNvPr id="5" name="テキスト ボックス 4">
+            <a:extLst>
+              <a:ext uri="{FF2B5EF4-FFF2-40B4-BE49-F238E27FC236}">
+                <a16:creationId xmlns:a16="http://schemas.microsoft.com/office/drawing/2014/main" id="{9E32883C-0E37-4F07-9861-27609819CE8C}"/>
+              </a:ext>
+            </a:extLst>
+          </p:cNvPr>
+          <p:cNvSpPr txBox="1"/>
+          <p:nvPr/>
+        </p:nvSpPr>
+        <p:spPr>
+          <a:xfrm>
+            <a:off x="1252535" y="1923077"/>
+            <a:ext cx="10768607" cy="3785652"/>
+          </a:xfrm>
+          <a:prstGeom prst="rect">
+            <a:avLst/>
+          </a:prstGeom>
+          <a:noFill/>
+          <a:ln>
+            <a:solidFill>
+              <a:schemeClr val="tx1"/>
+            </a:solidFill>
+          </a:ln>
+        </p:spPr>
+        <p:txBody>
+          <a:bodyPr wrap="square" rtlCol="0">
+            <a:spAutoFit/>
+          </a:bodyPr>
+          <a:lstStyle/>
+          <a:p>
+            <a:r>
+              <a:rPr kumimoji="1" lang="en-US" altLang="ja-JP" sz="2400" dirty="0"/>
+              <a:t>include&lt;iostream&gt;</a:t>
+            </a:r>
+          </a:p>
+          <a:p>
+            <a:r>
+              <a:rPr kumimoji="1" lang="en-US" altLang="ja-JP" sz="2400" dirty="0"/>
+              <a:t>using namespace std;</a:t>
+            </a:r>
+          </a:p>
+          <a:p>
+            <a:r>
+              <a:rPr kumimoji="1" lang="en-US" altLang="ja-JP" sz="2400" dirty="0"/>
+              <a:t>int main() {</a:t>
+            </a:r>
+          </a:p>
+          <a:p>
+            <a:r>
+              <a:rPr kumimoji="1" lang="en-US" altLang="ja-JP" sz="2400" dirty="0"/>
+              <a:t>    int* p = </a:t>
+            </a:r>
+            <a:r>
+              <a:rPr kumimoji="1" lang="en-US" altLang="ja-JP" sz="2400" dirty="0" err="1"/>
+              <a:t>nullptr</a:t>
+            </a:r>
+            <a:r>
+              <a:rPr kumimoji="1" lang="en-US" altLang="ja-JP" sz="2400" dirty="0"/>
+              <a:t>;</a:t>
+            </a:r>
+          </a:p>
+          <a:p>
+            <a:r>
+              <a:rPr kumimoji="1" lang="en-US" altLang="ja-JP" sz="2400" dirty="0"/>
+              <a:t>    </a:t>
+            </a:r>
+            <a:r>
+              <a:rPr kumimoji="1" lang="en-US" altLang="ja-JP" sz="2400" dirty="0">
+                <a:solidFill>
+                  <a:srgbClr val="00B0F0"/>
+                </a:solidFill>
+              </a:rPr>
+              <a:t>p</a:t>
+            </a:r>
+            <a:r>
+              <a:rPr kumimoji="1" lang="en-US" altLang="ja-JP" sz="2400" dirty="0"/>
+              <a:t> = </a:t>
+            </a:r>
+            <a:r>
+              <a:rPr kumimoji="1" lang="en-US" altLang="ja-JP" sz="2400" dirty="0">
+                <a:solidFill>
+                  <a:srgbClr val="FF0000"/>
+                </a:solidFill>
+              </a:rPr>
+              <a:t>new int(</a:t>
+            </a:r>
+            <a:r>
+              <a:rPr kumimoji="1" lang="en-US" altLang="ja-JP" sz="2400" dirty="0"/>
+              <a:t>123</a:t>
+            </a:r>
+            <a:r>
+              <a:rPr kumimoji="1" lang="en-US" altLang="ja-JP" sz="2400" dirty="0">
+                <a:solidFill>
+                  <a:srgbClr val="FF0000"/>
+                </a:solidFill>
+              </a:rPr>
+              <a:t>)</a:t>
+            </a:r>
+            <a:r>
+              <a:rPr kumimoji="1" lang="en-US" altLang="ja-JP" sz="2400" dirty="0"/>
+              <a:t>; //</a:t>
+            </a:r>
+            <a:r>
+              <a:rPr kumimoji="1" lang="ja-JP" altLang="en-US" sz="2400" dirty="0"/>
+              <a:t>領域を確保して数値で初期化</a:t>
+            </a:r>
+            <a:endParaRPr kumimoji="1" lang="en-US" altLang="ja-JP" sz="2400" dirty="0"/>
+          </a:p>
+          <a:p>
+            <a:r>
+              <a:rPr kumimoji="1" lang="en-US" altLang="ja-JP" sz="2400" dirty="0"/>
+              <a:t>    </a:t>
+            </a:r>
+            <a:r>
+              <a:rPr kumimoji="1" lang="en-US" altLang="ja-JP" sz="2400" dirty="0">
+                <a:solidFill>
+                  <a:srgbClr val="00B050"/>
+                </a:solidFill>
+              </a:rPr>
+              <a:t>//*p = 123;</a:t>
+            </a:r>
+          </a:p>
+          <a:p>
+            <a:r>
+              <a:rPr kumimoji="1" lang="en-US" altLang="ja-JP" sz="2400" dirty="0"/>
+              <a:t>    </a:t>
+            </a:r>
+            <a:r>
+              <a:rPr kumimoji="1" lang="en-US" altLang="ja-JP" sz="2400" dirty="0" err="1"/>
+              <a:t>cout</a:t>
+            </a:r>
+            <a:r>
+              <a:rPr kumimoji="1" lang="en-US" altLang="ja-JP" sz="2400" dirty="0"/>
+              <a:t> &lt;&lt; *p &lt;&lt; </a:t>
+            </a:r>
+            <a:r>
+              <a:rPr kumimoji="1" lang="en-US" altLang="ja-JP" sz="2400" dirty="0" err="1"/>
+              <a:t>endl</a:t>
+            </a:r>
+            <a:r>
+              <a:rPr kumimoji="1" lang="en-US" altLang="ja-JP" sz="2400" dirty="0"/>
+              <a:t>;</a:t>
+            </a:r>
+          </a:p>
+          <a:p>
+            <a:r>
+              <a:rPr kumimoji="1" lang="en-US" altLang="ja-JP" sz="2400" dirty="0"/>
+              <a:t>    delete p;</a:t>
+            </a:r>
+          </a:p>
+          <a:p>
+            <a:r>
+              <a:rPr kumimoji="1" lang="en-US" altLang="ja-JP" sz="2400" dirty="0"/>
+              <a:t>    return 0;</a:t>
+            </a:r>
+            <a:r>
+              <a:rPr kumimoji="1" lang="ja-JP" altLang="en-US" sz="2400" dirty="0"/>
+              <a:t>　　　　</a:t>
+            </a:r>
+            <a:endParaRPr kumimoji="1" lang="en-US" altLang="ja-JP" sz="2400" dirty="0"/>
+          </a:p>
+          <a:p>
+            <a:r>
+              <a:rPr kumimoji="1" lang="en-US" altLang="ja-JP" sz="2400" dirty="0"/>
+              <a:t>}</a:t>
+            </a:r>
+          </a:p>
+        </p:txBody>
+      </p:sp>
+    </p:spTree>
+    <p:extLst>
+      <p:ext uri="{BB962C8B-B14F-4D97-AF65-F5344CB8AC3E}">
+        <p14:creationId xmlns:p14="http://schemas.microsoft.com/office/powerpoint/2010/main" val="2124392303"/>
+      </p:ext>
+    </p:extLst>
+  </p:cSld>
+  <p:clrMapOvr>
+    <a:masterClrMapping/>
+  </p:clrMapOvr>
+</p:sld>
+</file>
+
+<file path=ppt/slides/slide19.xml><?xml version="1.0" encoding="utf-8"?>
+<p:sld xmlns:a="http://schemas.openxmlformats.org/drawingml/2006/main" xmlns:r="http://schemas.openxmlformats.org/officeDocument/2006/relationships" xmlns:p="http://schemas.openxmlformats.org/presentationml/2006/main" show="0">
+  <p:cSld>
+    <p:spTree>
+      <p:nvGrpSpPr>
+        <p:cNvPr id="1" name=""/>
+        <p:cNvGrpSpPr/>
+        <p:nvPr/>
+      </p:nvGrpSpPr>
+      <p:grpSpPr>
+        <a:xfrm>
+          <a:off x="0" y="0"/>
+          <a:ext cx="0" cy="0"/>
+          <a:chOff x="0" y="0"/>
+          <a:chExt cx="0" cy="0"/>
+        </a:xfrm>
+      </p:grpSpPr>
+      <p:sp>
+        <p:nvSpPr>
+          <p:cNvPr id="2" name="タイトル 1">
+            <a:extLst>
+              <a:ext uri="{FF2B5EF4-FFF2-40B4-BE49-F238E27FC236}">
+                <a16:creationId xmlns:a16="http://schemas.microsoft.com/office/drawing/2014/main" id="{F11F3668-F205-48C5-AC01-19611EFE561B}"/>
+              </a:ext>
+            </a:extLst>
+          </p:cNvPr>
+          <p:cNvSpPr>
+            <a:spLocks noGrp="1"/>
+          </p:cNvSpPr>
+          <p:nvPr>
+            <p:ph type="title"/>
+          </p:nvPr>
+        </p:nvSpPr>
+        <p:spPr/>
+        <p:txBody>
+          <a:bodyPr/>
+          <a:lstStyle/>
+          <a:p>
+            <a:r>
+              <a:rPr kumimoji="1" lang="en-US" altLang="ja-JP" dirty="0"/>
+              <a:t>new</a:t>
+            </a:r>
+            <a:r>
+              <a:rPr kumimoji="1" lang="ja-JP" altLang="en-US" dirty="0"/>
+              <a:t>演算子と</a:t>
+            </a:r>
+            <a:r>
+              <a:rPr kumimoji="1" lang="en-US" altLang="ja-JP" dirty="0"/>
+              <a:t>delete</a:t>
+            </a:r>
+            <a:r>
+              <a:rPr kumimoji="1" lang="ja-JP" altLang="en-US" dirty="0"/>
+              <a:t>演算子</a:t>
+            </a:r>
+          </a:p>
+        </p:txBody>
+      </p:sp>
+      <p:sp>
+        <p:nvSpPr>
+          <p:cNvPr id="3" name="コンテンツ プレースホルダー 2">
+            <a:extLst>
+              <a:ext uri="{FF2B5EF4-FFF2-40B4-BE49-F238E27FC236}">
+                <a16:creationId xmlns:a16="http://schemas.microsoft.com/office/drawing/2014/main" id="{64DBE417-57E9-44A6-BB52-B2F9986BB7B2}"/>
+              </a:ext>
+            </a:extLst>
+          </p:cNvPr>
+          <p:cNvSpPr>
+            <a:spLocks noGrp="1"/>
+          </p:cNvSpPr>
+          <p:nvPr>
+            <p:ph idx="1"/>
+          </p:nvPr>
+        </p:nvSpPr>
         <p:spPr/>
         <p:txBody>
           <a:bodyPr>
@@ -8598,415 +8917,6 @@
     <p:extLst>
       <p:ext uri="{BB962C8B-B14F-4D97-AF65-F5344CB8AC3E}">
         <p14:creationId xmlns:p14="http://schemas.microsoft.com/office/powerpoint/2010/main" val="1142466154"/>
-      </p:ext>
-    </p:extLst>
-  </p:cSld>
-  <p:clrMapOvr>
-    <a:masterClrMapping/>
-  </p:clrMapOvr>
-</p:sld>
-</file>
-
-<file path=ppt/slides/slide19.xml><?xml version="1.0" encoding="utf-8"?>
-<p:sld xmlns:a="http://schemas.openxmlformats.org/drawingml/2006/main" xmlns:r="http://schemas.openxmlformats.org/officeDocument/2006/relationships" xmlns:p="http://schemas.openxmlformats.org/presentationml/2006/main">
-  <p:cSld>
-    <p:spTree>
-      <p:nvGrpSpPr>
-        <p:cNvPr id="1" name=""/>
-        <p:cNvGrpSpPr/>
-        <p:nvPr/>
-      </p:nvGrpSpPr>
-      <p:grpSpPr>
-        <a:xfrm>
-          <a:off x="0" y="0"/>
-          <a:ext cx="0" cy="0"/>
-          <a:chOff x="0" y="0"/>
-          <a:chExt cx="0" cy="0"/>
-        </a:xfrm>
-      </p:grpSpPr>
-      <p:sp>
-        <p:nvSpPr>
-          <p:cNvPr id="2" name="タイトル 1">
-            <a:extLst>
-              <a:ext uri="{FF2B5EF4-FFF2-40B4-BE49-F238E27FC236}">
-                <a16:creationId xmlns:a16="http://schemas.microsoft.com/office/drawing/2014/main" id="{F11F3668-F205-48C5-AC01-19611EFE561B}"/>
-              </a:ext>
-            </a:extLst>
-          </p:cNvPr>
-          <p:cNvSpPr>
-            <a:spLocks noGrp="1"/>
-          </p:cNvSpPr>
-          <p:nvPr>
-            <p:ph type="title"/>
-          </p:nvPr>
-        </p:nvSpPr>
-        <p:spPr/>
-        <p:txBody>
-          <a:bodyPr/>
-          <a:lstStyle/>
-          <a:p>
-            <a:r>
-              <a:rPr kumimoji="1" lang="en-US" altLang="ja-JP" dirty="0"/>
-              <a:t>new</a:t>
-            </a:r>
-            <a:r>
-              <a:rPr kumimoji="1" lang="ja-JP" altLang="en-US" dirty="0"/>
-              <a:t>演算子と</a:t>
-            </a:r>
-            <a:r>
-              <a:rPr kumimoji="1" lang="en-US" altLang="ja-JP" dirty="0"/>
-              <a:t>delete</a:t>
-            </a:r>
-            <a:r>
-              <a:rPr kumimoji="1" lang="ja-JP" altLang="en-US" dirty="0"/>
-              <a:t>演算子</a:t>
-            </a:r>
-          </a:p>
-        </p:txBody>
-      </p:sp>
-      <p:sp>
-        <p:nvSpPr>
-          <p:cNvPr id="3" name="コンテンツ プレースホルダー 2">
-            <a:extLst>
-              <a:ext uri="{FF2B5EF4-FFF2-40B4-BE49-F238E27FC236}">
-                <a16:creationId xmlns:a16="http://schemas.microsoft.com/office/drawing/2014/main" id="{64DBE417-57E9-44A6-BB52-B2F9986BB7B2}"/>
-              </a:ext>
-            </a:extLst>
-          </p:cNvPr>
-          <p:cNvSpPr>
-            <a:spLocks noGrp="1"/>
-          </p:cNvSpPr>
-          <p:nvPr>
-            <p:ph idx="1"/>
-          </p:nvPr>
-        </p:nvSpPr>
-        <p:spPr/>
-        <p:txBody>
-          <a:bodyPr>
-            <a:normAutofit/>
-          </a:bodyPr>
-          <a:lstStyle/>
-          <a:p>
-            <a:r>
-              <a:rPr kumimoji="1" lang="en-US" altLang="ja-JP" dirty="0"/>
-              <a:t>main.cpp</a:t>
-            </a:r>
-            <a:r>
-              <a:rPr kumimoji="1" lang="ja-JP" altLang="en-US" dirty="0"/>
-              <a:t>（スマートポインタ版）</a:t>
-            </a:r>
-            <a:br>
-              <a:rPr lang="en-US" altLang="ja-JP" dirty="0"/>
-            </a:br>
-            <a:endParaRPr lang="en-US" altLang="ja-JP" dirty="0"/>
-          </a:p>
-          <a:p>
-            <a:pPr marL="0" indent="0">
-              <a:buNone/>
-            </a:pPr>
-            <a:br>
-              <a:rPr lang="en-US" altLang="ja-JP" dirty="0"/>
-            </a:br>
-            <a:br>
-              <a:rPr lang="en-US" altLang="ja-JP" dirty="0"/>
-            </a:br>
-            <a:br>
-              <a:rPr lang="en-US" altLang="ja-JP" dirty="0"/>
-            </a:br>
-            <a:br>
-              <a:rPr lang="en-US" altLang="ja-JP" sz="2400" dirty="0"/>
-            </a:br>
-            <a:br>
-              <a:rPr lang="en-US" altLang="ja-JP" sz="2400" dirty="0"/>
-            </a:br>
-            <a:endParaRPr lang="en-US" altLang="ja-JP" sz="2400" dirty="0"/>
-          </a:p>
-          <a:p>
-            <a:pPr marL="0" indent="0">
-              <a:buNone/>
-            </a:pPr>
-            <a:br>
-              <a:rPr lang="en-US" altLang="ja-JP" sz="2400" dirty="0"/>
-            </a:br>
-            <a:br>
-              <a:rPr lang="en-US" altLang="ja-JP" sz="2400" dirty="0"/>
-            </a:br>
-            <a:endParaRPr lang="en-US" altLang="ja-JP" dirty="0">
-              <a:solidFill>
-                <a:srgbClr val="FF0000"/>
-              </a:solidFill>
-            </a:endParaRPr>
-          </a:p>
-        </p:txBody>
-      </p:sp>
-      <p:sp>
-        <p:nvSpPr>
-          <p:cNvPr id="5" name="テキスト ボックス 4">
-            <a:extLst>
-              <a:ext uri="{FF2B5EF4-FFF2-40B4-BE49-F238E27FC236}">
-                <a16:creationId xmlns:a16="http://schemas.microsoft.com/office/drawing/2014/main" id="{9E32883C-0E37-4F07-9861-27609819CE8C}"/>
-              </a:ext>
-            </a:extLst>
-          </p:cNvPr>
-          <p:cNvSpPr txBox="1"/>
-          <p:nvPr/>
-        </p:nvSpPr>
-        <p:spPr>
-          <a:xfrm>
-            <a:off x="1048254" y="1942532"/>
-            <a:ext cx="10768607" cy="3046988"/>
-          </a:xfrm>
-          <a:prstGeom prst="rect">
-            <a:avLst/>
-          </a:prstGeom>
-          <a:noFill/>
-          <a:ln>
-            <a:solidFill>
-              <a:schemeClr val="tx1"/>
-            </a:solidFill>
-          </a:ln>
-        </p:spPr>
-        <p:txBody>
-          <a:bodyPr wrap="square" rtlCol="0">
-            <a:spAutoFit/>
-          </a:bodyPr>
-          <a:lstStyle/>
-          <a:p>
-            <a:r>
-              <a:rPr kumimoji="1" lang="en-US" altLang="ja-JP" sz="2400" dirty="0"/>
-              <a:t>include&lt;iostream&gt;</a:t>
-            </a:r>
-          </a:p>
-          <a:p>
-            <a:r>
-              <a:rPr kumimoji="1" lang="en-US" altLang="ja-JP" sz="2400" dirty="0"/>
-              <a:t>using namespace std;</a:t>
-            </a:r>
-          </a:p>
-          <a:p>
-            <a:r>
-              <a:rPr kumimoji="1" lang="en-US" altLang="ja-JP" sz="2400" dirty="0"/>
-              <a:t>int main() {</a:t>
-            </a:r>
-          </a:p>
-          <a:p>
-            <a:r>
-              <a:rPr kumimoji="1" lang="en-US" altLang="ja-JP" sz="2400" dirty="0"/>
-              <a:t>    </a:t>
-            </a:r>
-            <a:r>
-              <a:rPr kumimoji="1" lang="en-US" altLang="ja-JP" sz="2400" dirty="0" err="1">
-                <a:solidFill>
-                  <a:srgbClr val="FF0000"/>
-                </a:solidFill>
-              </a:rPr>
-              <a:t>unique_ptr</a:t>
-            </a:r>
-            <a:r>
-              <a:rPr kumimoji="1" lang="en-US" altLang="ja-JP" sz="2400" dirty="0">
-                <a:solidFill>
-                  <a:srgbClr val="FF0000"/>
-                </a:solidFill>
-              </a:rPr>
-              <a:t>&lt;int&gt; p(new int(123));</a:t>
-            </a:r>
-            <a:br>
-              <a:rPr kumimoji="1" lang="en-US" altLang="ja-JP" sz="2400" dirty="0">
-                <a:solidFill>
-                  <a:srgbClr val="FF0000"/>
-                </a:solidFill>
-              </a:rPr>
-            </a:br>
-            <a:r>
-              <a:rPr kumimoji="1" lang="en-US" altLang="ja-JP" sz="2400" dirty="0">
-                <a:solidFill>
-                  <a:srgbClr val="FF0000"/>
-                </a:solidFill>
-              </a:rPr>
-              <a:t>    </a:t>
-            </a:r>
-            <a:r>
-              <a:rPr kumimoji="1" lang="en-US" altLang="ja-JP" sz="2400" dirty="0">
-                <a:solidFill>
-                  <a:srgbClr val="00B050"/>
-                </a:solidFill>
-              </a:rPr>
-              <a:t>//</a:t>
-            </a:r>
-            <a:r>
-              <a:rPr kumimoji="1" lang="ja-JP" altLang="en-US" sz="2400" dirty="0">
-                <a:solidFill>
-                  <a:srgbClr val="00B050"/>
-                </a:solidFill>
-              </a:rPr>
-              <a:t>スマートポインタを宣言した際に初期値を与える方法</a:t>
-            </a:r>
-            <a:endParaRPr kumimoji="1" lang="en-US" altLang="ja-JP" sz="2400" dirty="0">
-              <a:solidFill>
-                <a:srgbClr val="00B050"/>
-              </a:solidFill>
-            </a:endParaRPr>
-          </a:p>
-          <a:p>
-            <a:r>
-              <a:rPr kumimoji="1" lang="en-US" altLang="ja-JP" sz="2400" dirty="0"/>
-              <a:t>    </a:t>
-            </a:r>
-            <a:r>
-              <a:rPr kumimoji="1" lang="en-US" altLang="ja-JP" sz="2400" dirty="0" err="1"/>
-              <a:t>cout</a:t>
-            </a:r>
-            <a:r>
-              <a:rPr kumimoji="1" lang="en-US" altLang="ja-JP" sz="2400" dirty="0"/>
-              <a:t> &lt;&lt; *p &lt;&lt; </a:t>
-            </a:r>
-            <a:r>
-              <a:rPr kumimoji="1" lang="en-US" altLang="ja-JP" sz="2400" dirty="0" err="1"/>
-              <a:t>endl</a:t>
-            </a:r>
-            <a:r>
-              <a:rPr kumimoji="1" lang="en-US" altLang="ja-JP" sz="2400" dirty="0"/>
-              <a:t>;</a:t>
-            </a:r>
-          </a:p>
-          <a:p>
-            <a:r>
-              <a:rPr kumimoji="1" lang="en-US" altLang="ja-JP" sz="2400" dirty="0"/>
-              <a:t>    return 0;</a:t>
-            </a:r>
-            <a:r>
-              <a:rPr kumimoji="1" lang="ja-JP" altLang="en-US" sz="2400" dirty="0"/>
-              <a:t>　　　　</a:t>
-            </a:r>
-            <a:endParaRPr kumimoji="1" lang="en-US" altLang="ja-JP" sz="2400" dirty="0"/>
-          </a:p>
-          <a:p>
-            <a:r>
-              <a:rPr kumimoji="1" lang="en-US" altLang="ja-JP" sz="2400" dirty="0"/>
-              <a:t>}</a:t>
-            </a:r>
-          </a:p>
-        </p:txBody>
-      </p:sp>
-      <p:sp>
-        <p:nvSpPr>
-          <p:cNvPr id="4" name="テキスト ボックス 3">
-            <a:extLst>
-              <a:ext uri="{FF2B5EF4-FFF2-40B4-BE49-F238E27FC236}">
-                <a16:creationId xmlns:a16="http://schemas.microsoft.com/office/drawing/2014/main" id="{4B94EBF4-3945-50EC-B0D2-7AAB2D4B9E93}"/>
-              </a:ext>
-            </a:extLst>
-          </p:cNvPr>
-          <p:cNvSpPr txBox="1"/>
-          <p:nvPr/>
-        </p:nvSpPr>
-        <p:spPr>
-          <a:xfrm>
-            <a:off x="3814545" y="4373159"/>
-            <a:ext cx="2767126" cy="523220"/>
-          </a:xfrm>
-          <a:prstGeom prst="rect">
-            <a:avLst/>
-          </a:prstGeom>
-          <a:solidFill>
-            <a:schemeClr val="bg1"/>
-          </a:solidFill>
-          <a:ln w="19050">
-            <a:solidFill>
-              <a:srgbClr val="FF0000"/>
-            </a:solidFill>
-          </a:ln>
-        </p:spPr>
-        <p:txBody>
-          <a:bodyPr wrap="square" rtlCol="0">
-            <a:spAutoFit/>
-          </a:bodyPr>
-          <a:lstStyle/>
-          <a:p>
-            <a:r>
-              <a:rPr kumimoji="1" lang="en-US" altLang="ja-JP" sz="2800" b="1" dirty="0">
-                <a:solidFill>
-                  <a:srgbClr val="FF0000"/>
-                </a:solidFill>
-              </a:rPr>
-              <a:t>delete</a:t>
-            </a:r>
-            <a:r>
-              <a:rPr kumimoji="1" lang="ja-JP" altLang="en-US" sz="2800" dirty="0"/>
-              <a:t>は不要</a:t>
-            </a:r>
-          </a:p>
-        </p:txBody>
-      </p:sp>
-      <p:sp>
-        <p:nvSpPr>
-          <p:cNvPr id="6" name="テキスト ボックス 5">
-            <a:extLst>
-              <a:ext uri="{FF2B5EF4-FFF2-40B4-BE49-F238E27FC236}">
-                <a16:creationId xmlns:a16="http://schemas.microsoft.com/office/drawing/2014/main" id="{80DAB04A-8A84-DD14-1D74-E4A224651E02}"/>
-              </a:ext>
-            </a:extLst>
-          </p:cNvPr>
-          <p:cNvSpPr txBox="1"/>
-          <p:nvPr/>
-        </p:nvSpPr>
-        <p:spPr>
-          <a:xfrm>
-            <a:off x="7598446" y="1162976"/>
-            <a:ext cx="2885726" cy="830997"/>
-          </a:xfrm>
-          <a:prstGeom prst="rect">
-            <a:avLst/>
-          </a:prstGeom>
-          <a:noFill/>
-        </p:spPr>
-        <p:txBody>
-          <a:bodyPr wrap="none" rtlCol="0">
-            <a:spAutoFit/>
-          </a:bodyPr>
-          <a:lstStyle/>
-          <a:p>
-            <a:r>
-              <a:rPr kumimoji="1" lang="en-US" altLang="ja-JP" sz="2400" b="1" dirty="0">
-                <a:solidFill>
-                  <a:srgbClr val="00B050"/>
-                </a:solidFill>
-              </a:rPr>
-              <a:t>【</a:t>
-            </a:r>
-            <a:r>
-              <a:rPr kumimoji="1" lang="ja-JP" altLang="en-US" sz="2400" b="1" dirty="0">
-                <a:solidFill>
-                  <a:srgbClr val="00B050"/>
-                </a:solidFill>
-              </a:rPr>
-              <a:t>参考プログラム</a:t>
-            </a:r>
-            <a:r>
-              <a:rPr kumimoji="1" lang="en-US" altLang="ja-JP" sz="2400" b="1" dirty="0">
-                <a:solidFill>
-                  <a:srgbClr val="00B050"/>
-                </a:solidFill>
-              </a:rPr>
-              <a:t>】</a:t>
-            </a:r>
-          </a:p>
-          <a:p>
-            <a:r>
-              <a:rPr kumimoji="1" lang="ja-JP" altLang="en-US" sz="2400" b="1" dirty="0">
-                <a:solidFill>
-                  <a:srgbClr val="00B050"/>
-                </a:solidFill>
-              </a:rPr>
-              <a:t>今は覚えなくてよい</a:t>
-            </a:r>
-          </a:p>
-        </p:txBody>
-      </p:sp>
-    </p:spTree>
-    <p:extLst>
-      <p:ext uri="{BB962C8B-B14F-4D97-AF65-F5344CB8AC3E}">
-        <p14:creationId xmlns:p14="http://schemas.microsoft.com/office/powerpoint/2010/main" val="725927177"/>
       </p:ext>
     </p:extLst>
   </p:cSld>
@@ -9118,28 +9028,36 @@
                   <a:srgbClr val="00B0F0"/>
                 </a:solidFill>
               </a:rPr>
-              <a:t>ヒープ領域</a:t>
-            </a:r>
-            <a:br>
+              <a:t>ヒープ領域　← </a:t>
+            </a:r>
+            <a:r>
               <a:rPr lang="en-US" altLang="ja-JP" dirty="0">
                 <a:solidFill>
                   <a:srgbClr val="00B0F0"/>
                 </a:solidFill>
               </a:rPr>
-            </a:br>
+              <a:t>new/delete</a:t>
+            </a:r>
             <a:r>
               <a:rPr lang="ja-JP" altLang="en-US" dirty="0">
                 <a:solidFill>
                   <a:srgbClr val="00B0F0"/>
                 </a:solidFill>
               </a:rPr>
+              <a:t>で使用可能</a:t>
+            </a:r>
+            <a:br>
+              <a:rPr lang="en-US" altLang="ja-JP" dirty="0">
+                <a:solidFill>
+                  <a:srgbClr val="00B0F0"/>
+                </a:solidFill>
+              </a:rPr>
+            </a:br>
+            <a:r>
+              <a:rPr lang="ja-JP" altLang="en-US" dirty="0"/>
               <a:t>プログラム実行中、動的に確保されるメモリ領域</a:t>
             </a:r>
-            <a:endParaRPr lang="en-US" altLang="ja-JP" dirty="0">
-              <a:solidFill>
-                <a:srgbClr val="00B0F0"/>
-              </a:solidFill>
-            </a:endParaRPr>
+            <a:endParaRPr lang="en-US" altLang="ja-JP" dirty="0"/>
           </a:p>
           <a:p>
             <a:r>
@@ -9171,7 +9089,7 @@
 </file>
 
 <file path=ppt/slides/slide20.xml><?xml version="1.0" encoding="utf-8"?>
-<p:sld xmlns:a="http://schemas.openxmlformats.org/drawingml/2006/main" xmlns:r="http://schemas.openxmlformats.org/officeDocument/2006/relationships" xmlns:p="http://schemas.openxmlformats.org/presentationml/2006/main">
+<p:sld xmlns:a="http://schemas.openxmlformats.org/drawingml/2006/main" xmlns:r="http://schemas.openxmlformats.org/officeDocument/2006/relationships" xmlns:p="http://schemas.openxmlformats.org/presentationml/2006/main" show="0">
   <p:cSld>
     <p:spTree>
       <p:nvGrpSpPr>
@@ -9251,16 +9169,12 @@
           <a:lstStyle/>
           <a:p>
             <a:r>
+              <a:rPr kumimoji="1" lang="en-US" altLang="ja-JP" dirty="0"/>
+              <a:t>main.cpp</a:t>
+            </a:r>
+            <a:r>
               <a:rPr kumimoji="1" lang="ja-JP" altLang="en-US" dirty="0"/>
-              <a:t>教科書</a:t>
-            </a:r>
-            <a:r>
-              <a:rPr kumimoji="1" lang="en-US" altLang="ja-JP" dirty="0"/>
-              <a:t>P149 </a:t>
-            </a:r>
-            <a:r>
-              <a:rPr lang="en-US" altLang="ja-JP" b="1" dirty="0"/>
-              <a:t>Sample404</a:t>
+              <a:t>（スマートポインタ版）</a:t>
             </a:r>
             <a:br>
               <a:rPr lang="en-US" altLang="ja-JP" dirty="0"/>
@@ -9268,96 +9182,312 @@
             <a:endParaRPr lang="en-US" altLang="ja-JP" dirty="0"/>
           </a:p>
           <a:p>
-            <a:r>
-              <a:rPr lang="en-US" altLang="ja-JP" b="1" dirty="0"/>
-              <a:t>Sample404</a:t>
-            </a:r>
-            <a:r>
-              <a:rPr lang="ja-JP" altLang="en-US" dirty="0"/>
-              <a:t>フォルダを作成</a:t>
-            </a:r>
+            <a:pPr marL="0" indent="0">
+              <a:buNone/>
+            </a:pPr>
             <a:br>
               <a:rPr lang="en-US" altLang="ja-JP" dirty="0"/>
             </a:br>
-            <a:r>
-              <a:rPr lang="en-US" altLang="ja-JP" dirty="0" err="1">
-                <a:solidFill>
-                  <a:srgbClr val="00B0F0"/>
-                </a:solidFill>
-              </a:rPr>
-              <a:t>mkdir</a:t>
-            </a:r>
-            <a:r>
-              <a:rPr lang="en-US" altLang="ja-JP" dirty="0">
-                <a:solidFill>
-                  <a:srgbClr val="00B0F0"/>
-                </a:solidFill>
-              </a:rPr>
-              <a:t> Sample404</a:t>
-            </a:r>
             <a:br>
               <a:rPr lang="en-US" altLang="ja-JP" dirty="0"/>
             </a:br>
-            <a:r>
-              <a:rPr lang="en-US" altLang="ja-JP" dirty="0">
-                <a:solidFill>
-                  <a:srgbClr val="00B0F0"/>
-                </a:solidFill>
-              </a:rPr>
-              <a:t>cd Sample404</a:t>
-            </a:r>
             <a:br>
               <a:rPr lang="en-US" altLang="ja-JP" dirty="0"/>
             </a:br>
-            <a:endParaRPr lang="en-US" altLang="ja-JP" dirty="0"/>
-          </a:p>
-          <a:p>
-            <a:r>
-              <a:rPr lang="en-US" altLang="ja-JP" dirty="0"/>
-              <a:t>main.cpp</a:t>
-            </a:r>
-            <a:r>
-              <a:rPr lang="ja-JP" altLang="en-US" dirty="0"/>
-              <a:t>を作成</a:t>
-            </a:r>
-            <a:br>
-              <a:rPr lang="en-US" altLang="ja-JP" dirty="0"/>
-            </a:br>
-            <a:r>
-              <a:rPr lang="en-US" altLang="ja-JP" b="1" dirty="0">
-                <a:solidFill>
-                  <a:srgbClr val="00B0F0"/>
-                </a:solidFill>
-              </a:rPr>
-              <a:t>copy </a:t>
-            </a:r>
-            <a:r>
-              <a:rPr lang="en-US" altLang="ja-JP" b="1" dirty="0" err="1">
-                <a:solidFill>
-                  <a:srgbClr val="00B0F0"/>
-                </a:solidFill>
-              </a:rPr>
-              <a:t>nul</a:t>
-            </a:r>
-            <a:r>
-              <a:rPr lang="en-US" altLang="ja-JP" b="1" dirty="0">
-                <a:solidFill>
-                  <a:srgbClr val="00B0F0"/>
-                </a:solidFill>
-              </a:rPr>
-              <a:t> main.cpp</a:t>
-            </a:r>
-            <a:br>
-              <a:rPr lang="en-US" altLang="ja-JP" dirty="0"/>
-            </a:br>
-            <a:endParaRPr lang="en-US" altLang="ja-JP" dirty="0"/>
+            <a:br>
+              <a:rPr lang="en-US" altLang="ja-JP" sz="2400" dirty="0"/>
+            </a:br>
+            <a:br>
+              <a:rPr lang="en-US" altLang="ja-JP" sz="2400" dirty="0"/>
+            </a:br>
+            <a:endParaRPr lang="en-US" altLang="ja-JP" sz="2400" dirty="0"/>
+          </a:p>
+          <a:p>
+            <a:pPr marL="0" indent="0">
+              <a:buNone/>
+            </a:pPr>
+            <a:br>
+              <a:rPr lang="en-US" altLang="ja-JP" sz="2400" dirty="0"/>
+            </a:br>
+            <a:br>
+              <a:rPr lang="en-US" altLang="ja-JP" sz="2400" dirty="0"/>
+            </a:br>
+            <a:endParaRPr lang="en-US" altLang="ja-JP" dirty="0">
+              <a:solidFill>
+                <a:srgbClr val="FF0000"/>
+              </a:solidFill>
+            </a:endParaRPr>
+          </a:p>
+        </p:txBody>
+      </p:sp>
+      <p:sp>
+        <p:nvSpPr>
+          <p:cNvPr id="5" name="テキスト ボックス 4">
+            <a:extLst>
+              <a:ext uri="{FF2B5EF4-FFF2-40B4-BE49-F238E27FC236}">
+                <a16:creationId xmlns:a16="http://schemas.microsoft.com/office/drawing/2014/main" id="{9E32883C-0E37-4F07-9861-27609819CE8C}"/>
+              </a:ext>
+            </a:extLst>
+          </p:cNvPr>
+          <p:cNvSpPr txBox="1"/>
+          <p:nvPr/>
+        </p:nvSpPr>
+        <p:spPr>
+          <a:xfrm>
+            <a:off x="1048254" y="1942532"/>
+            <a:ext cx="10768607" cy="3046988"/>
+          </a:xfrm>
+          <a:prstGeom prst="rect">
+            <a:avLst/>
+          </a:prstGeom>
+          <a:noFill/>
+          <a:ln>
+            <a:solidFill>
+              <a:schemeClr val="tx1"/>
+            </a:solidFill>
+          </a:ln>
+        </p:spPr>
+        <p:txBody>
+          <a:bodyPr wrap="square" rtlCol="0">
+            <a:spAutoFit/>
+          </a:bodyPr>
+          <a:lstStyle/>
+          <a:p>
+            <a:r>
+              <a:rPr kumimoji="1" lang="en-US" altLang="ja-JP" sz="2400" dirty="0"/>
+              <a:t>include&lt;iostream&gt;</a:t>
+            </a:r>
+          </a:p>
+          <a:p>
+            <a:r>
+              <a:rPr kumimoji="1" lang="en-US" altLang="ja-JP" sz="2400" dirty="0"/>
+              <a:t>using namespace std;</a:t>
+            </a:r>
+          </a:p>
+          <a:p>
+            <a:r>
+              <a:rPr kumimoji="1" lang="en-US" altLang="ja-JP" sz="2400" dirty="0"/>
+              <a:t>int main() {</a:t>
+            </a:r>
+          </a:p>
+          <a:p>
+            <a:r>
+              <a:rPr kumimoji="1" lang="en-US" altLang="ja-JP" sz="2400" dirty="0"/>
+              <a:t>    </a:t>
+            </a:r>
+            <a:r>
+              <a:rPr kumimoji="1" lang="en-US" altLang="ja-JP" sz="2400" dirty="0" err="1">
+                <a:solidFill>
+                  <a:srgbClr val="FF0000"/>
+                </a:solidFill>
+              </a:rPr>
+              <a:t>unique_ptr</a:t>
+            </a:r>
+            <a:r>
+              <a:rPr kumimoji="1" lang="en-US" altLang="ja-JP" sz="2400" dirty="0">
+                <a:solidFill>
+                  <a:srgbClr val="FF0000"/>
+                </a:solidFill>
+              </a:rPr>
+              <a:t>&lt;int&gt; p(new int(123));</a:t>
+            </a:r>
+            <a:br>
+              <a:rPr kumimoji="1" lang="en-US" altLang="ja-JP" sz="2400" dirty="0">
+                <a:solidFill>
+                  <a:srgbClr val="FF0000"/>
+                </a:solidFill>
+              </a:rPr>
+            </a:br>
+            <a:r>
+              <a:rPr kumimoji="1" lang="en-US" altLang="ja-JP" sz="2400" dirty="0">
+                <a:solidFill>
+                  <a:srgbClr val="FF0000"/>
+                </a:solidFill>
+              </a:rPr>
+              <a:t>    </a:t>
+            </a:r>
+            <a:r>
+              <a:rPr kumimoji="1" lang="en-US" altLang="ja-JP" sz="2400" dirty="0">
+                <a:solidFill>
+                  <a:srgbClr val="00B050"/>
+                </a:solidFill>
+              </a:rPr>
+              <a:t>//</a:t>
+            </a:r>
+            <a:r>
+              <a:rPr kumimoji="1" lang="ja-JP" altLang="en-US" sz="2400" dirty="0">
+                <a:solidFill>
+                  <a:srgbClr val="00B050"/>
+                </a:solidFill>
+              </a:rPr>
+              <a:t>スマートポインタを宣言した際に初期値を与える方法</a:t>
+            </a:r>
+            <a:endParaRPr kumimoji="1" lang="en-US" altLang="ja-JP" sz="2400" dirty="0">
+              <a:solidFill>
+                <a:srgbClr val="00B050"/>
+              </a:solidFill>
+            </a:endParaRPr>
+          </a:p>
+          <a:p>
+            <a:r>
+              <a:rPr kumimoji="1" lang="en-US" altLang="ja-JP" sz="2400" dirty="0"/>
+              <a:t>    </a:t>
+            </a:r>
+            <a:r>
+              <a:rPr kumimoji="1" lang="en-US" altLang="ja-JP" sz="2400" dirty="0" err="1"/>
+              <a:t>cout</a:t>
+            </a:r>
+            <a:r>
+              <a:rPr kumimoji="1" lang="en-US" altLang="ja-JP" sz="2400" dirty="0"/>
+              <a:t> &lt;&lt; *p &lt;&lt; </a:t>
+            </a:r>
+            <a:r>
+              <a:rPr kumimoji="1" lang="en-US" altLang="ja-JP" sz="2400" dirty="0" err="1"/>
+              <a:t>endl</a:t>
+            </a:r>
+            <a:r>
+              <a:rPr kumimoji="1" lang="en-US" altLang="ja-JP" sz="2400" dirty="0"/>
+              <a:t>;</a:t>
+            </a:r>
+          </a:p>
+          <a:p>
+            <a:r>
+              <a:rPr kumimoji="1" lang="en-US" altLang="ja-JP" sz="2400" dirty="0"/>
+              <a:t>    return 0;</a:t>
+            </a:r>
+            <a:r>
+              <a:rPr kumimoji="1" lang="ja-JP" altLang="en-US" sz="2400" dirty="0"/>
+              <a:t>　　　　</a:t>
+            </a:r>
+            <a:endParaRPr kumimoji="1" lang="en-US" altLang="ja-JP" sz="2400" dirty="0"/>
+          </a:p>
+          <a:p>
+            <a:r>
+              <a:rPr kumimoji="1" lang="en-US" altLang="ja-JP" sz="2400" dirty="0"/>
+              <a:t>}</a:t>
+            </a:r>
+          </a:p>
+        </p:txBody>
+      </p:sp>
+      <p:sp>
+        <p:nvSpPr>
+          <p:cNvPr id="4" name="テキスト ボックス 3">
+            <a:extLst>
+              <a:ext uri="{FF2B5EF4-FFF2-40B4-BE49-F238E27FC236}">
+                <a16:creationId xmlns:a16="http://schemas.microsoft.com/office/drawing/2014/main" id="{4B94EBF4-3945-50EC-B0D2-7AAB2D4B9E93}"/>
+              </a:ext>
+            </a:extLst>
+          </p:cNvPr>
+          <p:cNvSpPr txBox="1"/>
+          <p:nvPr/>
+        </p:nvSpPr>
+        <p:spPr>
+          <a:xfrm>
+            <a:off x="3814545" y="4373159"/>
+            <a:ext cx="2767126" cy="523220"/>
+          </a:xfrm>
+          <a:prstGeom prst="rect">
+            <a:avLst/>
+          </a:prstGeom>
+          <a:solidFill>
+            <a:schemeClr val="bg1"/>
+          </a:solidFill>
+          <a:ln w="19050">
+            <a:solidFill>
+              <a:srgbClr val="FF0000"/>
+            </a:solidFill>
+          </a:ln>
+        </p:spPr>
+        <p:txBody>
+          <a:bodyPr wrap="square" rtlCol="0">
+            <a:spAutoFit/>
+          </a:bodyPr>
+          <a:lstStyle/>
+          <a:p>
+            <a:r>
+              <a:rPr kumimoji="1" lang="en-US" altLang="ja-JP" sz="2800" b="1" dirty="0">
+                <a:solidFill>
+                  <a:srgbClr val="FF0000"/>
+                </a:solidFill>
+              </a:rPr>
+              <a:t>delete</a:t>
+            </a:r>
+            <a:r>
+              <a:rPr kumimoji="1" lang="ja-JP" altLang="en-US" sz="2800" dirty="0"/>
+              <a:t>は不要</a:t>
+            </a:r>
+          </a:p>
+        </p:txBody>
+      </p:sp>
+      <p:sp>
+        <p:nvSpPr>
+          <p:cNvPr id="6" name="テキスト ボックス 5">
+            <a:extLst>
+              <a:ext uri="{FF2B5EF4-FFF2-40B4-BE49-F238E27FC236}">
+                <a16:creationId xmlns:a16="http://schemas.microsoft.com/office/drawing/2014/main" id="{80DAB04A-8A84-DD14-1D74-E4A224651E02}"/>
+              </a:ext>
+            </a:extLst>
+          </p:cNvPr>
+          <p:cNvSpPr txBox="1"/>
+          <p:nvPr/>
+        </p:nvSpPr>
+        <p:spPr>
+          <a:xfrm>
+            <a:off x="7598446" y="1162976"/>
+            <a:ext cx="2885726" cy="830997"/>
+          </a:xfrm>
+          <a:prstGeom prst="rect">
+            <a:avLst/>
+          </a:prstGeom>
+          <a:noFill/>
+        </p:spPr>
+        <p:txBody>
+          <a:bodyPr wrap="none" rtlCol="0">
+            <a:spAutoFit/>
+          </a:bodyPr>
+          <a:lstStyle/>
+          <a:p>
+            <a:r>
+              <a:rPr kumimoji="1" lang="en-US" altLang="ja-JP" sz="2400" b="1" dirty="0">
+                <a:solidFill>
+                  <a:srgbClr val="00B050"/>
+                </a:solidFill>
+              </a:rPr>
+              <a:t>【</a:t>
+            </a:r>
+            <a:r>
+              <a:rPr kumimoji="1" lang="ja-JP" altLang="en-US" sz="2400" b="1" dirty="0">
+                <a:solidFill>
+                  <a:srgbClr val="00B050"/>
+                </a:solidFill>
+              </a:rPr>
+              <a:t>参考プログラム</a:t>
+            </a:r>
+            <a:r>
+              <a:rPr kumimoji="1" lang="en-US" altLang="ja-JP" sz="2400" b="1" dirty="0">
+                <a:solidFill>
+                  <a:srgbClr val="00B050"/>
+                </a:solidFill>
+              </a:rPr>
+              <a:t>】</a:t>
+            </a:r>
+          </a:p>
+          <a:p>
+            <a:r>
+              <a:rPr kumimoji="1" lang="ja-JP" altLang="en-US" sz="2400" b="1" dirty="0">
+                <a:solidFill>
+                  <a:srgbClr val="00B050"/>
+                </a:solidFill>
+              </a:rPr>
+              <a:t>今は覚えなくてよい</a:t>
+            </a:r>
           </a:p>
         </p:txBody>
       </p:sp>
     </p:spTree>
     <p:extLst>
       <p:ext uri="{BB962C8B-B14F-4D97-AF65-F5344CB8AC3E}">
-        <p14:creationId xmlns:p14="http://schemas.microsoft.com/office/powerpoint/2010/main" val="689633269"/>
+        <p14:creationId xmlns:p14="http://schemas.microsoft.com/office/powerpoint/2010/main" val="725927177"/>
       </p:ext>
     </p:extLst>
   </p:cSld>
@@ -9448,262 +9578,113 @@
           <a:lstStyle/>
           <a:p>
             <a:r>
+              <a:rPr kumimoji="1" lang="ja-JP" altLang="en-US" dirty="0"/>
+              <a:t>教科書</a:t>
+            </a:r>
+            <a:r>
               <a:rPr kumimoji="1" lang="en-US" altLang="ja-JP" dirty="0"/>
+              <a:t>P149 </a:t>
+            </a:r>
+            <a:r>
+              <a:rPr lang="en-US" altLang="ja-JP" b="1" dirty="0"/>
+              <a:t>Sample404</a:t>
+            </a:r>
+            <a:br>
+              <a:rPr lang="en-US" altLang="ja-JP" dirty="0"/>
+            </a:br>
+            <a:endParaRPr lang="en-US" altLang="ja-JP" dirty="0"/>
+          </a:p>
+          <a:p>
+            <a:r>
+              <a:rPr lang="en-US" altLang="ja-JP" b="1" dirty="0"/>
+              <a:t>Sample404</a:t>
+            </a:r>
+            <a:r>
+              <a:rPr lang="ja-JP" altLang="en-US" dirty="0"/>
+              <a:t>フォルダを作成</a:t>
+            </a:r>
+            <a:br>
+              <a:rPr lang="en-US" altLang="ja-JP" dirty="0"/>
+            </a:br>
+            <a:r>
+              <a:rPr lang="en-US" altLang="ja-JP" dirty="0" err="1">
+                <a:solidFill>
+                  <a:srgbClr val="00B0F0"/>
+                </a:solidFill>
+              </a:rPr>
+              <a:t>mkdir</a:t>
+            </a:r>
+            <a:r>
+              <a:rPr lang="en-US" altLang="ja-JP" dirty="0">
+                <a:solidFill>
+                  <a:srgbClr val="00B0F0"/>
+                </a:solidFill>
+              </a:rPr>
+              <a:t> Sample404</a:t>
+            </a:r>
+            <a:br>
+              <a:rPr lang="en-US" altLang="ja-JP" dirty="0"/>
+            </a:br>
+            <a:r>
+              <a:rPr lang="en-US" altLang="ja-JP" dirty="0">
+                <a:solidFill>
+                  <a:srgbClr val="00B0F0"/>
+                </a:solidFill>
+              </a:rPr>
+              <a:t>cd Sample404</a:t>
+            </a:r>
+            <a:br>
+              <a:rPr lang="en-US" altLang="ja-JP" dirty="0"/>
+            </a:br>
+            <a:endParaRPr lang="en-US" altLang="ja-JP" dirty="0"/>
+          </a:p>
+          <a:p>
+            <a:r>
+              <a:rPr lang="en-US" altLang="ja-JP" dirty="0"/>
               <a:t>main.cpp</a:t>
             </a:r>
             <a:r>
-              <a:rPr kumimoji="1" lang="ja-JP" altLang="en-US" dirty="0"/>
-              <a:t>　</a:t>
-            </a:r>
-            <a:r>
-              <a:rPr kumimoji="1" lang="en-US" altLang="ja-JP" dirty="0"/>
-              <a:t>(Sample404)</a:t>
+              <a:rPr lang="ja-JP" altLang="en-US" dirty="0"/>
+              <a:t>を作成</a:t>
             </a:r>
             <a:br>
               <a:rPr lang="en-US" altLang="ja-JP" dirty="0"/>
             </a:br>
+            <a:r>
+              <a:rPr lang="en-US" altLang="ja-JP" b="1" dirty="0">
+                <a:solidFill>
+                  <a:srgbClr val="00B0F0"/>
+                </a:solidFill>
+              </a:rPr>
+              <a:t>copy </a:t>
+            </a:r>
+            <a:r>
+              <a:rPr lang="en-US" altLang="ja-JP" b="1" dirty="0" err="1">
+                <a:solidFill>
+                  <a:srgbClr val="00B0F0"/>
+                </a:solidFill>
+              </a:rPr>
+              <a:t>nul</a:t>
+            </a:r>
+            <a:r>
+              <a:rPr lang="en-US" altLang="ja-JP" b="1" dirty="0">
+                <a:solidFill>
+                  <a:srgbClr val="00B0F0"/>
+                </a:solidFill>
+              </a:rPr>
+              <a:t> main.cpp</a:t>
+            </a:r>
+            <a:br>
+              <a:rPr lang="en-US" altLang="ja-JP" dirty="0"/>
+            </a:br>
             <a:endParaRPr lang="en-US" altLang="ja-JP" dirty="0"/>
-          </a:p>
-          <a:p>
-            <a:pPr marL="0" indent="0">
-              <a:buNone/>
-            </a:pPr>
-            <a:br>
-              <a:rPr lang="en-US" altLang="ja-JP" dirty="0"/>
-            </a:br>
-            <a:br>
-              <a:rPr lang="en-US" altLang="ja-JP" dirty="0"/>
-            </a:br>
-            <a:br>
-              <a:rPr lang="en-US" altLang="ja-JP" dirty="0"/>
-            </a:br>
-            <a:br>
-              <a:rPr lang="en-US" altLang="ja-JP" sz="2400" dirty="0"/>
-            </a:br>
-            <a:br>
-              <a:rPr lang="en-US" altLang="ja-JP" sz="2400" dirty="0"/>
-            </a:br>
-            <a:endParaRPr lang="en-US" altLang="ja-JP" sz="2400" dirty="0"/>
-          </a:p>
-          <a:p>
-            <a:pPr marL="0" indent="0">
-              <a:buNone/>
-            </a:pPr>
-            <a:br>
-              <a:rPr lang="en-US" altLang="ja-JP" sz="2400" dirty="0"/>
-            </a:br>
-            <a:br>
-              <a:rPr lang="en-US" altLang="ja-JP" sz="2400" dirty="0"/>
-            </a:br>
-            <a:endParaRPr lang="en-US" altLang="ja-JP" dirty="0">
-              <a:solidFill>
-                <a:srgbClr val="FF0000"/>
-              </a:solidFill>
-            </a:endParaRPr>
-          </a:p>
-        </p:txBody>
-      </p:sp>
-      <p:sp>
-        <p:nvSpPr>
-          <p:cNvPr id="5" name="テキスト ボックス 4">
-            <a:extLst>
-              <a:ext uri="{FF2B5EF4-FFF2-40B4-BE49-F238E27FC236}">
-                <a16:creationId xmlns:a16="http://schemas.microsoft.com/office/drawing/2014/main" id="{9E32883C-0E37-4F07-9861-27609819CE8C}"/>
-              </a:ext>
-            </a:extLst>
-          </p:cNvPr>
-          <p:cNvSpPr txBox="1"/>
-          <p:nvPr/>
-        </p:nvSpPr>
-        <p:spPr>
-          <a:xfrm>
-            <a:off x="1048254" y="1942532"/>
-            <a:ext cx="10768607" cy="4893647"/>
-          </a:xfrm>
-          <a:prstGeom prst="rect">
-            <a:avLst/>
-          </a:prstGeom>
-          <a:noFill/>
-          <a:ln>
-            <a:solidFill>
-              <a:schemeClr val="tx1"/>
-            </a:solidFill>
-          </a:ln>
-        </p:spPr>
-        <p:txBody>
-          <a:bodyPr wrap="square" rtlCol="0">
-            <a:spAutoFit/>
-          </a:bodyPr>
-          <a:lstStyle/>
-          <a:p>
-            <a:r>
-              <a:rPr kumimoji="1" lang="en-US" altLang="ja-JP" sz="2400" dirty="0"/>
-              <a:t>include&lt;iostream&gt;</a:t>
-            </a:r>
-          </a:p>
-          <a:p>
-            <a:r>
-              <a:rPr kumimoji="1" lang="en-US" altLang="ja-JP" sz="2400" dirty="0"/>
-              <a:t>using namespace std;</a:t>
-            </a:r>
-          </a:p>
-          <a:p>
-            <a:r>
-              <a:rPr kumimoji="1" lang="en-US" altLang="ja-JP" sz="2400" dirty="0"/>
-              <a:t>int main() {</a:t>
-            </a:r>
-          </a:p>
-          <a:p>
-            <a:r>
-              <a:rPr kumimoji="1" lang="en-US" altLang="ja-JP" sz="2400" dirty="0"/>
-              <a:t>    int* p = </a:t>
-            </a:r>
-            <a:r>
-              <a:rPr kumimoji="1" lang="en-US" altLang="ja-JP" sz="2400" dirty="0" err="1"/>
-              <a:t>nullptr</a:t>
-            </a:r>
-            <a:r>
-              <a:rPr kumimoji="1" lang="en-US" altLang="ja-JP" sz="2400" dirty="0"/>
-              <a:t>;</a:t>
-            </a:r>
-          </a:p>
-          <a:p>
-            <a:r>
-              <a:rPr kumimoji="1" lang="en-US" altLang="ja-JP" sz="2400" dirty="0"/>
-              <a:t>    p = new int[10];</a:t>
-            </a:r>
-          </a:p>
-          <a:p>
-            <a:r>
-              <a:rPr kumimoji="1" lang="en-US" altLang="ja-JP" sz="2400" dirty="0"/>
-              <a:t>    for(int </a:t>
-            </a:r>
-            <a:r>
-              <a:rPr kumimoji="1" lang="en-US" altLang="ja-JP" sz="2400" dirty="0" err="1"/>
-              <a:t>i</a:t>
-            </a:r>
-            <a:r>
-              <a:rPr kumimoji="1" lang="en-US" altLang="ja-JP" sz="2400" dirty="0"/>
-              <a:t> = 0; </a:t>
-            </a:r>
-            <a:r>
-              <a:rPr kumimoji="1" lang="en-US" altLang="ja-JP" sz="2400" dirty="0" err="1"/>
-              <a:t>i</a:t>
-            </a:r>
-            <a:r>
-              <a:rPr kumimoji="1" lang="en-US" altLang="ja-JP" sz="2400" dirty="0"/>
-              <a:t> &lt; 10; </a:t>
-            </a:r>
-            <a:r>
-              <a:rPr kumimoji="1" lang="en-US" altLang="ja-JP" sz="2400" dirty="0" err="1"/>
-              <a:t>i</a:t>
-            </a:r>
-            <a:r>
-              <a:rPr kumimoji="1" lang="en-US" altLang="ja-JP" sz="2400" dirty="0"/>
-              <a:t>++){</a:t>
-            </a:r>
-          </a:p>
-          <a:p>
-            <a:r>
-              <a:rPr kumimoji="1" lang="en-US" altLang="ja-JP" sz="2400" dirty="0"/>
-              <a:t>        p[</a:t>
-            </a:r>
-            <a:r>
-              <a:rPr kumimoji="1" lang="en-US" altLang="ja-JP" sz="2400" dirty="0" err="1"/>
-              <a:t>i</a:t>
-            </a:r>
-            <a:r>
-              <a:rPr kumimoji="1" lang="en-US" altLang="ja-JP" sz="2400" dirty="0"/>
-              <a:t>] = </a:t>
-            </a:r>
-            <a:r>
-              <a:rPr kumimoji="1" lang="en-US" altLang="ja-JP" sz="2400" dirty="0" err="1"/>
-              <a:t>i</a:t>
-            </a:r>
-            <a:r>
-              <a:rPr kumimoji="1" lang="en-US" altLang="ja-JP" sz="2400" dirty="0"/>
-              <a:t>;</a:t>
-            </a:r>
-          </a:p>
-          <a:p>
-            <a:r>
-              <a:rPr kumimoji="1" lang="en-US" altLang="ja-JP" sz="2400" dirty="0"/>
-              <a:t>        </a:t>
-            </a:r>
-            <a:r>
-              <a:rPr kumimoji="1" lang="en-US" altLang="ja-JP" sz="2400" dirty="0" err="1"/>
-              <a:t>cout</a:t>
-            </a:r>
-            <a:r>
-              <a:rPr kumimoji="1" lang="en-US" altLang="ja-JP" sz="2400" dirty="0"/>
-              <a:t> &lt;&lt; p[</a:t>
-            </a:r>
-            <a:r>
-              <a:rPr kumimoji="1" lang="en-US" altLang="ja-JP" sz="2400" dirty="0" err="1"/>
-              <a:t>i</a:t>
-            </a:r>
-            <a:r>
-              <a:rPr kumimoji="1" lang="en-US" altLang="ja-JP" sz="2400" dirty="0"/>
-              <a:t>] &lt;&lt; “ “;</a:t>
-            </a:r>
-          </a:p>
-          <a:p>
-            <a:r>
-              <a:rPr kumimoji="1" lang="en-US" altLang="ja-JP" sz="2400" dirty="0"/>
-              <a:t>    }</a:t>
-            </a:r>
-          </a:p>
-          <a:p>
-            <a:r>
-              <a:rPr kumimoji="1" lang="en-US" altLang="ja-JP" sz="2400" dirty="0"/>
-              <a:t>    </a:t>
-            </a:r>
-            <a:r>
-              <a:rPr kumimoji="1" lang="en-US" altLang="ja-JP" sz="2400" dirty="0" err="1"/>
-              <a:t>cout</a:t>
-            </a:r>
-            <a:r>
-              <a:rPr kumimoji="1" lang="en-US" altLang="ja-JP" sz="2400" dirty="0"/>
-              <a:t> &lt;&lt; </a:t>
-            </a:r>
-            <a:r>
-              <a:rPr kumimoji="1" lang="en-US" altLang="ja-JP" sz="2400" dirty="0" err="1"/>
-              <a:t>endl</a:t>
-            </a:r>
-            <a:r>
-              <a:rPr kumimoji="1" lang="en-US" altLang="ja-JP" sz="2400" dirty="0"/>
-              <a:t>;</a:t>
-            </a:r>
-          </a:p>
-          <a:p>
-            <a:r>
-              <a:rPr kumimoji="1" lang="en-US" altLang="ja-JP" sz="2400" dirty="0"/>
-              <a:t>    delete[] p;</a:t>
-            </a:r>
-          </a:p>
-          <a:p>
-            <a:r>
-              <a:rPr kumimoji="1" lang="en-US" altLang="ja-JP" sz="2400" dirty="0"/>
-              <a:t>    return 0;</a:t>
-            </a:r>
-            <a:r>
-              <a:rPr kumimoji="1" lang="ja-JP" altLang="en-US" sz="2400" dirty="0"/>
-              <a:t>　　　　</a:t>
-            </a:r>
-            <a:endParaRPr kumimoji="1" lang="en-US" altLang="ja-JP" sz="2400" dirty="0"/>
-          </a:p>
-          <a:p>
-            <a:r>
-              <a:rPr kumimoji="1" lang="en-US" altLang="ja-JP" sz="2400" dirty="0"/>
-              <a:t>}</a:t>
-            </a:r>
           </a:p>
         </p:txBody>
       </p:sp>
     </p:spTree>
     <p:extLst>
       <p:ext uri="{BB962C8B-B14F-4D97-AF65-F5344CB8AC3E}">
-        <p14:creationId xmlns:p14="http://schemas.microsoft.com/office/powerpoint/2010/main" val="3908048396"/>
+        <p14:creationId xmlns:p14="http://schemas.microsoft.com/office/powerpoint/2010/main" val="689633269"/>
       </p:ext>
     </p:extLst>
   </p:cSld>
@@ -9902,26 +9883,10 @@
           <a:p>
             <a:r>
               <a:rPr kumimoji="1" lang="en-US" altLang="ja-JP" sz="2400" dirty="0"/>
-              <a:t>    int* </a:t>
-            </a:r>
-            <a:r>
-              <a:rPr kumimoji="1" lang="en-US" altLang="ja-JP" sz="2400" dirty="0">
-                <a:solidFill>
-                  <a:srgbClr val="00B0F0"/>
-                </a:solidFill>
-              </a:rPr>
-              <a:t>p </a:t>
-            </a:r>
-            <a:r>
-              <a:rPr kumimoji="1" lang="en-US" altLang="ja-JP" sz="2400" dirty="0"/>
-              <a:t>= </a:t>
-            </a:r>
-            <a:r>
-              <a:rPr kumimoji="1" lang="en-US" altLang="ja-JP" sz="2400" dirty="0" err="1">
-                <a:solidFill>
-                  <a:srgbClr val="00B050"/>
-                </a:solidFill>
-              </a:rPr>
+              <a:t>    int* p = </a:t>
+            </a:r>
+            <a:r>
+              <a:rPr kumimoji="1" lang="en-US" altLang="ja-JP" sz="2400" dirty="0" err="1"/>
               <a:t>nullptr</a:t>
             </a:r>
             <a:r>
@@ -9932,31 +9897,7 @@
           <a:p>
             <a:r>
               <a:rPr kumimoji="1" lang="en-US" altLang="ja-JP" sz="2400" dirty="0"/>
-              <a:t>    </a:t>
-            </a:r>
-            <a:r>
-              <a:rPr kumimoji="1" lang="en-US" altLang="ja-JP" sz="2400" dirty="0">
-                <a:solidFill>
-                  <a:srgbClr val="00B0F0"/>
-                </a:solidFill>
-              </a:rPr>
-              <a:t>p</a:t>
-            </a:r>
-            <a:r>
-              <a:rPr kumimoji="1" lang="en-US" altLang="ja-JP" sz="2400" dirty="0"/>
-              <a:t> = </a:t>
-            </a:r>
-            <a:r>
-              <a:rPr kumimoji="1" lang="en-US" altLang="ja-JP" sz="2400" dirty="0">
-                <a:solidFill>
-                  <a:srgbClr val="FF0000"/>
-                </a:solidFill>
-              </a:rPr>
-              <a:t>new int[10]</a:t>
-            </a:r>
-            <a:r>
-              <a:rPr kumimoji="1" lang="en-US" altLang="ja-JP" sz="2400" dirty="0"/>
-              <a:t>;</a:t>
+              <a:t>    p = new int[10];</a:t>
             </a:r>
           </a:p>
           <a:p>
@@ -10010,50 +9951,6 @@
               <a:rPr kumimoji="1" lang="en-US" altLang="ja-JP" sz="2400" dirty="0"/>
               <a:t>;</a:t>
             </a:r>
-            <a:r>
-              <a:rPr kumimoji="1" lang="ja-JP" altLang="en-US" sz="2400" dirty="0"/>
-              <a:t>　</a:t>
-            </a:r>
-            <a:r>
-              <a:rPr kumimoji="1" lang="en-US" altLang="ja-JP" sz="2400" dirty="0">
-                <a:solidFill>
-                  <a:srgbClr val="00B050"/>
-                </a:solidFill>
-              </a:rPr>
-              <a:t>//*(p + </a:t>
-            </a:r>
-            <a:r>
-              <a:rPr kumimoji="1" lang="en-US" altLang="ja-JP" sz="2400" dirty="0" err="1">
-                <a:solidFill>
-                  <a:srgbClr val="00B050"/>
-                </a:solidFill>
-              </a:rPr>
-              <a:t>i</a:t>
-            </a:r>
-            <a:r>
-              <a:rPr kumimoji="1" lang="en-US" altLang="ja-JP" sz="2400" dirty="0">
-                <a:solidFill>
-                  <a:srgbClr val="00B050"/>
-                </a:solidFill>
-              </a:rPr>
-              <a:t>) = </a:t>
-            </a:r>
-            <a:r>
-              <a:rPr kumimoji="1" lang="en-US" altLang="ja-JP" sz="2400" dirty="0" err="1">
-                <a:solidFill>
-                  <a:srgbClr val="00B050"/>
-                </a:solidFill>
-              </a:rPr>
-              <a:t>i</a:t>
-            </a:r>
-            <a:r>
-              <a:rPr kumimoji="1" lang="en-US" altLang="ja-JP" sz="2400" dirty="0">
-                <a:solidFill>
-                  <a:srgbClr val="00B050"/>
-                </a:solidFill>
-              </a:rPr>
-              <a:t>;</a:t>
-            </a:r>
           </a:p>
           <a:p>
             <a:r>
@@ -10108,19 +10005,7 @@
           <a:p>
             <a:r>
               <a:rPr kumimoji="1" lang="en-US" altLang="ja-JP" sz="2400" dirty="0"/>
-              <a:t>    </a:t>
-            </a:r>
-            <a:r>
-              <a:rPr kumimoji="1" lang="en-US" altLang="ja-JP" sz="2400" dirty="0">
-                <a:solidFill>
-                  <a:srgbClr val="FF0000"/>
-                </a:solidFill>
-              </a:rPr>
-              <a:t>delete[] p</a:t>
-            </a:r>
-            <a:r>
-              <a:rPr kumimoji="1" lang="en-US" altLang="ja-JP" sz="2400" dirty="0"/>
-              <a:t>;</a:t>
+              <a:t>    delete[] p;</a:t>
             </a:r>
           </a:p>
           <a:p>
@@ -10138,161 +10023,6 @@
             <a:r>
               <a:rPr kumimoji="1" lang="en-US" altLang="ja-JP" sz="2400" dirty="0"/>
               <a:t>}</a:t>
-            </a:r>
-          </a:p>
-        </p:txBody>
-      </p:sp>
-      <p:sp>
-        <p:nvSpPr>
-          <p:cNvPr id="4" name="テキスト ボックス 3">
-            <a:extLst>
-              <a:ext uri="{FF2B5EF4-FFF2-40B4-BE49-F238E27FC236}">
-                <a16:creationId xmlns:a16="http://schemas.microsoft.com/office/drawing/2014/main" id="{35F3D88F-0397-7A8D-2A9C-50D7232D523F}"/>
-              </a:ext>
-            </a:extLst>
-          </p:cNvPr>
-          <p:cNvSpPr txBox="1"/>
-          <p:nvPr/>
-        </p:nvSpPr>
-        <p:spPr>
-          <a:xfrm>
-            <a:off x="5531137" y="1729470"/>
-            <a:ext cx="5893839" cy="1815882"/>
-          </a:xfrm>
-          <a:prstGeom prst="rect">
-            <a:avLst/>
-          </a:prstGeom>
-          <a:solidFill>
-            <a:schemeClr val="bg1"/>
-          </a:solidFill>
-          <a:ln w="19050">
-            <a:solidFill>
-              <a:srgbClr val="FF0000"/>
-            </a:solidFill>
-          </a:ln>
-        </p:spPr>
-        <p:txBody>
-          <a:bodyPr wrap="square" rtlCol="0">
-            <a:spAutoFit/>
-          </a:bodyPr>
-          <a:lstStyle/>
-          <a:p>
-            <a:r>
-              <a:rPr kumimoji="1" lang="en-US" altLang="ja-JP" sz="2800" dirty="0"/>
-              <a:t>int</a:t>
-            </a:r>
-            <a:r>
-              <a:rPr kumimoji="1" lang="ja-JP" altLang="en-US" sz="2800" dirty="0"/>
-              <a:t>型のポインタ変数 </a:t>
-            </a:r>
-            <a:r>
-              <a:rPr kumimoji="1" lang="en-US" altLang="ja-JP" sz="2800" dirty="0">
-                <a:solidFill>
-                  <a:srgbClr val="00B0F0"/>
-                </a:solidFill>
-              </a:rPr>
-              <a:t>p</a:t>
-            </a:r>
-            <a:r>
-              <a:rPr kumimoji="1" lang="en-US" altLang="ja-JP" sz="2800" dirty="0">
-                <a:solidFill>
-                  <a:srgbClr val="FF0000"/>
-                </a:solidFill>
-              </a:rPr>
-              <a:t> </a:t>
-            </a:r>
-            <a:r>
-              <a:rPr kumimoji="1" lang="ja-JP" altLang="en-US" sz="2800" dirty="0"/>
-              <a:t>を宣言して</a:t>
-            </a:r>
-            <a:r>
-              <a:rPr kumimoji="1" lang="en-US" altLang="ja-JP" sz="2800" dirty="0" err="1">
-                <a:solidFill>
-                  <a:srgbClr val="00B050"/>
-                </a:solidFill>
-              </a:rPr>
-              <a:t>nullptr</a:t>
-            </a:r>
-            <a:r>
-              <a:rPr kumimoji="1" lang="ja-JP" altLang="en-US" sz="2800" dirty="0"/>
-              <a:t>で初期化</a:t>
-            </a:r>
-            <a:endParaRPr kumimoji="1" lang="en-US" altLang="ja-JP" sz="2800" dirty="0"/>
-          </a:p>
-          <a:p>
-            <a:r>
-              <a:rPr kumimoji="1" lang="en-US" altLang="ja-JP" sz="2800" dirty="0">
-                <a:solidFill>
-                  <a:srgbClr val="FF0000"/>
-                </a:solidFill>
-              </a:rPr>
-              <a:t>new int[10]</a:t>
-            </a:r>
-            <a:r>
-              <a:rPr kumimoji="1" lang="ja-JP" altLang="en-US" sz="2800" dirty="0"/>
-              <a:t>で</a:t>
-            </a:r>
-            <a:r>
-              <a:rPr kumimoji="1" lang="en-US" altLang="ja-JP" sz="2800" dirty="0"/>
-              <a:t>10</a:t>
-            </a:r>
-            <a:r>
-              <a:rPr kumimoji="1" lang="ja-JP" altLang="en-US" sz="2800" dirty="0"/>
-              <a:t>個の整数値を格納できる配列用メモリ領域を確保</a:t>
-            </a:r>
-          </a:p>
-        </p:txBody>
-      </p:sp>
-      <p:sp>
-        <p:nvSpPr>
-          <p:cNvPr id="6" name="テキスト ボックス 5">
-            <a:extLst>
-              <a:ext uri="{FF2B5EF4-FFF2-40B4-BE49-F238E27FC236}">
-                <a16:creationId xmlns:a16="http://schemas.microsoft.com/office/drawing/2014/main" id="{200A7380-48A6-383C-56FD-631047C3C5AD}"/>
-              </a:ext>
-            </a:extLst>
-          </p:cNvPr>
-          <p:cNvSpPr txBox="1"/>
-          <p:nvPr/>
-        </p:nvSpPr>
-        <p:spPr>
-          <a:xfrm>
-            <a:off x="4588267" y="5538767"/>
-            <a:ext cx="5389451" cy="954107"/>
-          </a:xfrm>
-          <a:prstGeom prst="rect">
-            <a:avLst/>
-          </a:prstGeom>
-          <a:solidFill>
-            <a:schemeClr val="bg1"/>
-          </a:solidFill>
-          <a:ln w="19050">
-            <a:solidFill>
-              <a:srgbClr val="FF0000"/>
-            </a:solidFill>
-          </a:ln>
-        </p:spPr>
-        <p:txBody>
-          <a:bodyPr wrap="square" rtlCol="0">
-            <a:spAutoFit/>
-          </a:bodyPr>
-          <a:lstStyle/>
-          <a:p>
-            <a:r>
-              <a:rPr kumimoji="1" lang="ja-JP" altLang="en-US" sz="2800" dirty="0"/>
-              <a:t>配列の場合は</a:t>
-            </a:r>
-            <a:r>
-              <a:rPr kumimoji="1" lang="en-US" altLang="ja-JP" sz="2800" b="1" dirty="0">
-                <a:solidFill>
-                  <a:srgbClr val="FF0000"/>
-                </a:solidFill>
-              </a:rPr>
-              <a:t>delete[]</a:t>
-            </a:r>
-            <a:r>
-              <a:rPr kumimoji="1" lang="ja-JP" altLang="en-US" sz="2800" dirty="0"/>
-              <a:t>としてメモリ領域を解放</a:t>
             </a:r>
           </a:p>
         </p:txBody>
@@ -10300,7 +10030,7 @@
     </p:spTree>
     <p:extLst>
       <p:ext uri="{BB962C8B-B14F-4D97-AF65-F5344CB8AC3E}">
-        <p14:creationId xmlns:p14="http://schemas.microsoft.com/office/powerpoint/2010/main" val="1474019886"/>
+        <p14:creationId xmlns:p14="http://schemas.microsoft.com/office/powerpoint/2010/main" val="3908048396"/>
       </p:ext>
     </p:extLst>
   </p:cSld>
@@ -10396,6 +10126,992 @@
             </a:r>
             <a:r>
               <a:rPr kumimoji="1" lang="ja-JP" altLang="en-US" dirty="0"/>
+              <a:t>　</a:t>
+            </a:r>
+            <a:r>
+              <a:rPr kumimoji="1" lang="en-US" altLang="ja-JP" dirty="0"/>
+              <a:t>(Sample404)</a:t>
+            </a:r>
+            <a:br>
+              <a:rPr lang="en-US" altLang="ja-JP" dirty="0"/>
+            </a:br>
+            <a:endParaRPr lang="en-US" altLang="ja-JP" dirty="0"/>
+          </a:p>
+          <a:p>
+            <a:pPr marL="0" indent="0">
+              <a:buNone/>
+            </a:pPr>
+            <a:br>
+              <a:rPr lang="en-US" altLang="ja-JP" dirty="0"/>
+            </a:br>
+            <a:br>
+              <a:rPr lang="en-US" altLang="ja-JP" dirty="0"/>
+            </a:br>
+            <a:br>
+              <a:rPr lang="en-US" altLang="ja-JP" dirty="0"/>
+            </a:br>
+            <a:br>
+              <a:rPr lang="en-US" altLang="ja-JP" sz="2400" dirty="0"/>
+            </a:br>
+            <a:br>
+              <a:rPr lang="en-US" altLang="ja-JP" sz="2400" dirty="0"/>
+            </a:br>
+            <a:endParaRPr lang="en-US" altLang="ja-JP" sz="2400" dirty="0"/>
+          </a:p>
+          <a:p>
+            <a:pPr marL="0" indent="0">
+              <a:buNone/>
+            </a:pPr>
+            <a:br>
+              <a:rPr lang="en-US" altLang="ja-JP" sz="2400" dirty="0"/>
+            </a:br>
+            <a:br>
+              <a:rPr lang="en-US" altLang="ja-JP" sz="2400" dirty="0"/>
+            </a:br>
+            <a:endParaRPr lang="en-US" altLang="ja-JP" dirty="0">
+              <a:solidFill>
+                <a:srgbClr val="FF0000"/>
+              </a:solidFill>
+            </a:endParaRPr>
+          </a:p>
+        </p:txBody>
+      </p:sp>
+      <p:sp>
+        <p:nvSpPr>
+          <p:cNvPr id="5" name="テキスト ボックス 4">
+            <a:extLst>
+              <a:ext uri="{FF2B5EF4-FFF2-40B4-BE49-F238E27FC236}">
+                <a16:creationId xmlns:a16="http://schemas.microsoft.com/office/drawing/2014/main" id="{9E32883C-0E37-4F07-9861-27609819CE8C}"/>
+              </a:ext>
+            </a:extLst>
+          </p:cNvPr>
+          <p:cNvSpPr txBox="1"/>
+          <p:nvPr/>
+        </p:nvSpPr>
+        <p:spPr>
+          <a:xfrm>
+            <a:off x="1048254" y="1942532"/>
+            <a:ext cx="10768607" cy="4893647"/>
+          </a:xfrm>
+          <a:prstGeom prst="rect">
+            <a:avLst/>
+          </a:prstGeom>
+          <a:noFill/>
+          <a:ln>
+            <a:solidFill>
+              <a:schemeClr val="tx1"/>
+            </a:solidFill>
+          </a:ln>
+        </p:spPr>
+        <p:txBody>
+          <a:bodyPr wrap="square" rtlCol="0">
+            <a:spAutoFit/>
+          </a:bodyPr>
+          <a:lstStyle/>
+          <a:p>
+            <a:r>
+              <a:rPr kumimoji="1" lang="en-US" altLang="ja-JP" sz="2400" dirty="0"/>
+              <a:t>include&lt;iostream&gt;</a:t>
+            </a:r>
+          </a:p>
+          <a:p>
+            <a:r>
+              <a:rPr kumimoji="1" lang="en-US" altLang="ja-JP" sz="2400" dirty="0"/>
+              <a:t>using namespace std;</a:t>
+            </a:r>
+          </a:p>
+          <a:p>
+            <a:r>
+              <a:rPr kumimoji="1" lang="en-US" altLang="ja-JP" sz="2400" dirty="0"/>
+              <a:t>int main() {</a:t>
+            </a:r>
+          </a:p>
+          <a:p>
+            <a:r>
+              <a:rPr kumimoji="1" lang="en-US" altLang="ja-JP" sz="2400" dirty="0"/>
+              <a:t>    int* </a:t>
+            </a:r>
+            <a:r>
+              <a:rPr kumimoji="1" lang="en-US" altLang="ja-JP" sz="2400" dirty="0">
+                <a:solidFill>
+                  <a:srgbClr val="00B0F0"/>
+                </a:solidFill>
+              </a:rPr>
+              <a:t>p </a:t>
+            </a:r>
+            <a:r>
+              <a:rPr kumimoji="1" lang="en-US" altLang="ja-JP" sz="2400" dirty="0"/>
+              <a:t>= </a:t>
+            </a:r>
+            <a:r>
+              <a:rPr kumimoji="1" lang="en-US" altLang="ja-JP" sz="2400" dirty="0" err="1">
+                <a:solidFill>
+                  <a:srgbClr val="00B050"/>
+                </a:solidFill>
+              </a:rPr>
+              <a:t>nullptr</a:t>
+            </a:r>
+            <a:r>
+              <a:rPr kumimoji="1" lang="en-US" altLang="ja-JP" sz="2400" dirty="0"/>
+              <a:t>;</a:t>
+            </a:r>
+          </a:p>
+          <a:p>
+            <a:r>
+              <a:rPr kumimoji="1" lang="en-US" altLang="ja-JP" sz="2400" dirty="0"/>
+              <a:t>    </a:t>
+            </a:r>
+            <a:r>
+              <a:rPr kumimoji="1" lang="en-US" altLang="ja-JP" sz="2400" dirty="0">
+                <a:solidFill>
+                  <a:srgbClr val="00B0F0"/>
+                </a:solidFill>
+              </a:rPr>
+              <a:t>p</a:t>
+            </a:r>
+            <a:r>
+              <a:rPr kumimoji="1" lang="en-US" altLang="ja-JP" sz="2400" dirty="0"/>
+              <a:t> = </a:t>
+            </a:r>
+            <a:r>
+              <a:rPr kumimoji="1" lang="en-US" altLang="ja-JP" sz="2400" dirty="0">
+                <a:solidFill>
+                  <a:srgbClr val="FF0000"/>
+                </a:solidFill>
+              </a:rPr>
+              <a:t>new int[10]</a:t>
+            </a:r>
+            <a:r>
+              <a:rPr kumimoji="1" lang="en-US" altLang="ja-JP" sz="2400" dirty="0"/>
+              <a:t>;</a:t>
+            </a:r>
+          </a:p>
+          <a:p>
+            <a:r>
+              <a:rPr kumimoji="1" lang="en-US" altLang="ja-JP" sz="2400" dirty="0"/>
+              <a:t>    for(int </a:t>
+            </a:r>
+            <a:r>
+              <a:rPr kumimoji="1" lang="en-US" altLang="ja-JP" sz="2400" dirty="0" err="1"/>
+              <a:t>i</a:t>
+            </a:r>
+            <a:r>
+              <a:rPr kumimoji="1" lang="en-US" altLang="ja-JP" sz="2400" dirty="0"/>
+              <a:t> = 0; </a:t>
+            </a:r>
+            <a:r>
+              <a:rPr kumimoji="1" lang="en-US" altLang="ja-JP" sz="2400" dirty="0" err="1"/>
+              <a:t>i</a:t>
+            </a:r>
+            <a:r>
+              <a:rPr kumimoji="1" lang="en-US" altLang="ja-JP" sz="2400" dirty="0"/>
+              <a:t> &lt; 10; </a:t>
+            </a:r>
+            <a:r>
+              <a:rPr kumimoji="1" lang="en-US" altLang="ja-JP" sz="2400" dirty="0" err="1"/>
+              <a:t>i</a:t>
+            </a:r>
+            <a:r>
+              <a:rPr kumimoji="1" lang="en-US" altLang="ja-JP" sz="2400" dirty="0"/>
+              <a:t>++){</a:t>
+            </a:r>
+          </a:p>
+          <a:p>
+            <a:r>
+              <a:rPr kumimoji="1" lang="en-US" altLang="ja-JP" sz="2400" dirty="0"/>
+              <a:t>        p[</a:t>
+            </a:r>
+            <a:r>
+              <a:rPr kumimoji="1" lang="en-US" altLang="ja-JP" sz="2400" dirty="0" err="1"/>
+              <a:t>i</a:t>
+            </a:r>
+            <a:r>
+              <a:rPr kumimoji="1" lang="en-US" altLang="ja-JP" sz="2400" dirty="0"/>
+              <a:t>] = </a:t>
+            </a:r>
+            <a:r>
+              <a:rPr kumimoji="1" lang="en-US" altLang="ja-JP" sz="2400" dirty="0" err="1"/>
+              <a:t>i</a:t>
+            </a:r>
+            <a:r>
+              <a:rPr kumimoji="1" lang="en-US" altLang="ja-JP" sz="2400" dirty="0"/>
+              <a:t>;</a:t>
+            </a:r>
+            <a:r>
+              <a:rPr kumimoji="1" lang="ja-JP" altLang="en-US" sz="2400" dirty="0"/>
+              <a:t>　</a:t>
+            </a:r>
+            <a:endParaRPr kumimoji="1" lang="en-US" altLang="ja-JP" sz="2400"/>
+          </a:p>
+          <a:p>
+            <a:r>
+              <a:rPr kumimoji="1" lang="en-US" altLang="ja-JP" sz="2400"/>
+              <a:t>        </a:t>
+            </a:r>
+            <a:r>
+              <a:rPr kumimoji="1" lang="en-US" altLang="ja-JP" sz="2400" dirty="0" err="1"/>
+              <a:t>cout</a:t>
+            </a:r>
+            <a:r>
+              <a:rPr kumimoji="1" lang="en-US" altLang="ja-JP" sz="2400" dirty="0"/>
+              <a:t> &lt;&lt; p[</a:t>
+            </a:r>
+            <a:r>
+              <a:rPr kumimoji="1" lang="en-US" altLang="ja-JP" sz="2400" dirty="0" err="1"/>
+              <a:t>i</a:t>
+            </a:r>
+            <a:r>
+              <a:rPr kumimoji="1" lang="en-US" altLang="ja-JP" sz="2400" dirty="0"/>
+              <a:t>] &lt;&lt; “ “;</a:t>
+            </a:r>
+          </a:p>
+          <a:p>
+            <a:r>
+              <a:rPr kumimoji="1" lang="en-US" altLang="ja-JP" sz="2400" dirty="0"/>
+              <a:t>    }</a:t>
+            </a:r>
+          </a:p>
+          <a:p>
+            <a:r>
+              <a:rPr kumimoji="1" lang="en-US" altLang="ja-JP" sz="2400" dirty="0"/>
+              <a:t>    </a:t>
+            </a:r>
+            <a:r>
+              <a:rPr kumimoji="1" lang="en-US" altLang="ja-JP" sz="2400" dirty="0" err="1"/>
+              <a:t>cout</a:t>
+            </a:r>
+            <a:r>
+              <a:rPr kumimoji="1" lang="en-US" altLang="ja-JP" sz="2400" dirty="0"/>
+              <a:t> &lt;&lt; </a:t>
+            </a:r>
+            <a:r>
+              <a:rPr kumimoji="1" lang="en-US" altLang="ja-JP" sz="2400" dirty="0" err="1"/>
+              <a:t>endl</a:t>
+            </a:r>
+            <a:r>
+              <a:rPr kumimoji="1" lang="en-US" altLang="ja-JP" sz="2400" dirty="0"/>
+              <a:t>;</a:t>
+            </a:r>
+          </a:p>
+          <a:p>
+            <a:r>
+              <a:rPr kumimoji="1" lang="en-US" altLang="ja-JP" sz="2400" dirty="0"/>
+              <a:t>    </a:t>
+            </a:r>
+            <a:r>
+              <a:rPr kumimoji="1" lang="en-US" altLang="ja-JP" sz="2400" dirty="0">
+                <a:solidFill>
+                  <a:srgbClr val="FF0000"/>
+                </a:solidFill>
+              </a:rPr>
+              <a:t>delete[] p</a:t>
+            </a:r>
+            <a:r>
+              <a:rPr kumimoji="1" lang="en-US" altLang="ja-JP" sz="2400" dirty="0"/>
+              <a:t>;</a:t>
+            </a:r>
+          </a:p>
+          <a:p>
+            <a:r>
+              <a:rPr kumimoji="1" lang="en-US" altLang="ja-JP" sz="2400" dirty="0"/>
+              <a:t>    return 0;</a:t>
+            </a:r>
+            <a:r>
+              <a:rPr kumimoji="1" lang="ja-JP" altLang="en-US" sz="2400" dirty="0"/>
+              <a:t>　　　　</a:t>
+            </a:r>
+            <a:endParaRPr kumimoji="1" lang="en-US" altLang="ja-JP" sz="2400" dirty="0"/>
+          </a:p>
+          <a:p>
+            <a:r>
+              <a:rPr kumimoji="1" lang="en-US" altLang="ja-JP" sz="2400" dirty="0"/>
+              <a:t>}</a:t>
+            </a:r>
+          </a:p>
+        </p:txBody>
+      </p:sp>
+      <p:sp>
+        <p:nvSpPr>
+          <p:cNvPr id="4" name="テキスト ボックス 3">
+            <a:extLst>
+              <a:ext uri="{FF2B5EF4-FFF2-40B4-BE49-F238E27FC236}">
+                <a16:creationId xmlns:a16="http://schemas.microsoft.com/office/drawing/2014/main" id="{35F3D88F-0397-7A8D-2A9C-50D7232D523F}"/>
+              </a:ext>
+            </a:extLst>
+          </p:cNvPr>
+          <p:cNvSpPr txBox="1"/>
+          <p:nvPr/>
+        </p:nvSpPr>
+        <p:spPr>
+          <a:xfrm>
+            <a:off x="5531137" y="1729470"/>
+            <a:ext cx="5893839" cy="1815882"/>
+          </a:xfrm>
+          <a:prstGeom prst="rect">
+            <a:avLst/>
+          </a:prstGeom>
+          <a:solidFill>
+            <a:schemeClr val="bg1"/>
+          </a:solidFill>
+          <a:ln w="19050">
+            <a:solidFill>
+              <a:srgbClr val="FF0000"/>
+            </a:solidFill>
+          </a:ln>
+        </p:spPr>
+        <p:txBody>
+          <a:bodyPr wrap="square" rtlCol="0">
+            <a:spAutoFit/>
+          </a:bodyPr>
+          <a:lstStyle/>
+          <a:p>
+            <a:r>
+              <a:rPr kumimoji="1" lang="en-US" altLang="ja-JP" sz="2800" dirty="0"/>
+              <a:t>int</a:t>
+            </a:r>
+            <a:r>
+              <a:rPr kumimoji="1" lang="ja-JP" altLang="en-US" sz="2800" dirty="0"/>
+              <a:t>型のポインタ変数 </a:t>
+            </a:r>
+            <a:r>
+              <a:rPr kumimoji="1" lang="en-US" altLang="ja-JP" sz="2800" dirty="0">
+                <a:solidFill>
+                  <a:srgbClr val="00B0F0"/>
+                </a:solidFill>
+              </a:rPr>
+              <a:t>p</a:t>
+            </a:r>
+            <a:r>
+              <a:rPr kumimoji="1" lang="en-US" altLang="ja-JP" sz="2800" dirty="0">
+                <a:solidFill>
+                  <a:srgbClr val="FF0000"/>
+                </a:solidFill>
+              </a:rPr>
+              <a:t> </a:t>
+            </a:r>
+            <a:r>
+              <a:rPr kumimoji="1" lang="ja-JP" altLang="en-US" sz="2800" dirty="0"/>
+              <a:t>を宣言して</a:t>
+            </a:r>
+            <a:r>
+              <a:rPr kumimoji="1" lang="en-US" altLang="ja-JP" sz="2800" dirty="0" err="1">
+                <a:solidFill>
+                  <a:srgbClr val="00B050"/>
+                </a:solidFill>
+              </a:rPr>
+              <a:t>nullptr</a:t>
+            </a:r>
+            <a:r>
+              <a:rPr kumimoji="1" lang="ja-JP" altLang="en-US" sz="2800" dirty="0"/>
+              <a:t>で初期化</a:t>
+            </a:r>
+            <a:endParaRPr kumimoji="1" lang="en-US" altLang="ja-JP" sz="2800" dirty="0"/>
+          </a:p>
+          <a:p>
+            <a:r>
+              <a:rPr kumimoji="1" lang="en-US" altLang="ja-JP" sz="2800" dirty="0">
+                <a:solidFill>
+                  <a:srgbClr val="FF0000"/>
+                </a:solidFill>
+              </a:rPr>
+              <a:t>new int[10]</a:t>
+            </a:r>
+            <a:r>
+              <a:rPr kumimoji="1" lang="ja-JP" altLang="en-US" sz="2800" dirty="0"/>
+              <a:t>で</a:t>
+            </a:r>
+            <a:r>
+              <a:rPr kumimoji="1" lang="en-US" altLang="ja-JP" sz="2800" dirty="0"/>
+              <a:t>10</a:t>
+            </a:r>
+            <a:r>
+              <a:rPr kumimoji="1" lang="ja-JP" altLang="en-US" sz="2800" dirty="0"/>
+              <a:t>個の整数値を格納できる配列用メモリ領域を確保</a:t>
+            </a:r>
+          </a:p>
+        </p:txBody>
+      </p:sp>
+      <p:sp>
+        <p:nvSpPr>
+          <p:cNvPr id="6" name="テキスト ボックス 5">
+            <a:extLst>
+              <a:ext uri="{FF2B5EF4-FFF2-40B4-BE49-F238E27FC236}">
+                <a16:creationId xmlns:a16="http://schemas.microsoft.com/office/drawing/2014/main" id="{200A7380-48A6-383C-56FD-631047C3C5AD}"/>
+              </a:ext>
+            </a:extLst>
+          </p:cNvPr>
+          <p:cNvSpPr txBox="1"/>
+          <p:nvPr/>
+        </p:nvSpPr>
+        <p:spPr>
+          <a:xfrm>
+            <a:off x="4588267" y="5538767"/>
+            <a:ext cx="5389451" cy="954107"/>
+          </a:xfrm>
+          <a:prstGeom prst="rect">
+            <a:avLst/>
+          </a:prstGeom>
+          <a:solidFill>
+            <a:schemeClr val="bg1"/>
+          </a:solidFill>
+          <a:ln w="19050">
+            <a:solidFill>
+              <a:srgbClr val="FF0000"/>
+            </a:solidFill>
+          </a:ln>
+        </p:spPr>
+        <p:txBody>
+          <a:bodyPr wrap="square" rtlCol="0">
+            <a:spAutoFit/>
+          </a:bodyPr>
+          <a:lstStyle/>
+          <a:p>
+            <a:r>
+              <a:rPr kumimoji="1" lang="ja-JP" altLang="en-US" sz="2800" dirty="0"/>
+              <a:t>配列の場合は</a:t>
+            </a:r>
+            <a:r>
+              <a:rPr kumimoji="1" lang="en-US" altLang="ja-JP" sz="2800" b="1" dirty="0">
+                <a:solidFill>
+                  <a:srgbClr val="FF0000"/>
+                </a:solidFill>
+              </a:rPr>
+              <a:t>delete[]</a:t>
+            </a:r>
+            <a:r>
+              <a:rPr kumimoji="1" lang="ja-JP" altLang="en-US" sz="2800" dirty="0"/>
+              <a:t>としてメモリ領域を解放</a:t>
+            </a:r>
+          </a:p>
+        </p:txBody>
+      </p:sp>
+    </p:spTree>
+    <p:extLst>
+      <p:ext uri="{BB962C8B-B14F-4D97-AF65-F5344CB8AC3E}">
+        <p14:creationId xmlns:p14="http://schemas.microsoft.com/office/powerpoint/2010/main" val="1474019886"/>
+      </p:ext>
+    </p:extLst>
+  </p:cSld>
+  <p:clrMapOvr>
+    <a:masterClrMapping/>
+  </p:clrMapOvr>
+</p:sld>
+</file>
+
+<file path=ppt/slides/slide24.xml><?xml version="1.0" encoding="utf-8"?>
+<p:sld xmlns:a="http://schemas.openxmlformats.org/drawingml/2006/main" xmlns:r="http://schemas.openxmlformats.org/officeDocument/2006/relationships" xmlns:p="http://schemas.openxmlformats.org/presentationml/2006/main">
+  <p:cSld>
+    <p:spTree>
+      <p:nvGrpSpPr>
+        <p:cNvPr id="1" name=""/>
+        <p:cNvGrpSpPr/>
+        <p:nvPr/>
+      </p:nvGrpSpPr>
+      <p:grpSpPr>
+        <a:xfrm>
+          <a:off x="0" y="0"/>
+          <a:ext cx="0" cy="0"/>
+          <a:chOff x="0" y="0"/>
+          <a:chExt cx="0" cy="0"/>
+        </a:xfrm>
+      </p:grpSpPr>
+      <p:sp>
+        <p:nvSpPr>
+          <p:cNvPr id="2" name="タイトル 1">
+            <a:extLst>
+              <a:ext uri="{FF2B5EF4-FFF2-40B4-BE49-F238E27FC236}">
+                <a16:creationId xmlns:a16="http://schemas.microsoft.com/office/drawing/2014/main" id="{F11F3668-F205-48C5-AC01-19611EFE561B}"/>
+              </a:ext>
+            </a:extLst>
+          </p:cNvPr>
+          <p:cNvSpPr>
+            <a:spLocks noGrp="1"/>
+          </p:cNvSpPr>
+          <p:nvPr>
+            <p:ph type="title"/>
+          </p:nvPr>
+        </p:nvSpPr>
+        <p:spPr/>
+        <p:txBody>
+          <a:bodyPr/>
+          <a:lstStyle/>
+          <a:p>
+            <a:r>
+              <a:rPr kumimoji="1" lang="en-US" altLang="ja-JP" dirty="0"/>
+              <a:t>new</a:t>
+            </a:r>
+            <a:r>
+              <a:rPr kumimoji="1" lang="ja-JP" altLang="en-US" dirty="0"/>
+              <a:t>演算子と</a:t>
+            </a:r>
+            <a:r>
+              <a:rPr kumimoji="1" lang="en-US" altLang="ja-JP" dirty="0"/>
+              <a:t>delete</a:t>
+            </a:r>
+            <a:r>
+              <a:rPr kumimoji="1" lang="ja-JP" altLang="en-US" dirty="0"/>
+              <a:t>演算子</a:t>
+            </a:r>
+          </a:p>
+        </p:txBody>
+      </p:sp>
+      <p:sp>
+        <p:nvSpPr>
+          <p:cNvPr id="3" name="コンテンツ プレースホルダー 2">
+            <a:extLst>
+              <a:ext uri="{FF2B5EF4-FFF2-40B4-BE49-F238E27FC236}">
+                <a16:creationId xmlns:a16="http://schemas.microsoft.com/office/drawing/2014/main" id="{64DBE417-57E9-44A6-BB52-B2F9986BB7B2}"/>
+              </a:ext>
+            </a:extLst>
+          </p:cNvPr>
+          <p:cNvSpPr>
+            <a:spLocks noGrp="1"/>
+          </p:cNvSpPr>
+          <p:nvPr>
+            <p:ph idx="1"/>
+          </p:nvPr>
+        </p:nvSpPr>
+        <p:spPr/>
+        <p:txBody>
+          <a:bodyPr>
+            <a:normAutofit/>
+          </a:bodyPr>
+          <a:lstStyle/>
+          <a:p>
+            <a:r>
+              <a:rPr kumimoji="1" lang="en-US" altLang="ja-JP" dirty="0"/>
+              <a:t>main.cpp</a:t>
+            </a:r>
+            <a:r>
+              <a:rPr kumimoji="1" lang="ja-JP" altLang="en-US" dirty="0"/>
+              <a:t>　</a:t>
+            </a:r>
+            <a:r>
+              <a:rPr kumimoji="1" lang="en-US" altLang="ja-JP" dirty="0"/>
+              <a:t>(Sample404)</a:t>
+            </a:r>
+            <a:br>
+              <a:rPr lang="en-US" altLang="ja-JP" dirty="0"/>
+            </a:br>
+            <a:endParaRPr lang="en-US" altLang="ja-JP" dirty="0"/>
+          </a:p>
+          <a:p>
+            <a:pPr marL="0" indent="0">
+              <a:buNone/>
+            </a:pPr>
+            <a:br>
+              <a:rPr lang="en-US" altLang="ja-JP" dirty="0"/>
+            </a:br>
+            <a:br>
+              <a:rPr lang="en-US" altLang="ja-JP" dirty="0"/>
+            </a:br>
+            <a:br>
+              <a:rPr lang="en-US" altLang="ja-JP" dirty="0"/>
+            </a:br>
+            <a:br>
+              <a:rPr lang="en-US" altLang="ja-JP" sz="2400" dirty="0"/>
+            </a:br>
+            <a:br>
+              <a:rPr lang="en-US" altLang="ja-JP" sz="2400" dirty="0"/>
+            </a:br>
+            <a:endParaRPr lang="en-US" altLang="ja-JP" sz="2400" dirty="0"/>
+          </a:p>
+          <a:p>
+            <a:pPr marL="0" indent="0">
+              <a:buNone/>
+            </a:pPr>
+            <a:br>
+              <a:rPr lang="en-US" altLang="ja-JP" sz="2400" dirty="0"/>
+            </a:br>
+            <a:br>
+              <a:rPr lang="en-US" altLang="ja-JP" sz="2400" dirty="0"/>
+            </a:br>
+            <a:endParaRPr lang="en-US" altLang="ja-JP" dirty="0">
+              <a:solidFill>
+                <a:srgbClr val="FF0000"/>
+              </a:solidFill>
+            </a:endParaRPr>
+          </a:p>
+        </p:txBody>
+      </p:sp>
+      <p:sp>
+        <p:nvSpPr>
+          <p:cNvPr id="5" name="テキスト ボックス 4">
+            <a:extLst>
+              <a:ext uri="{FF2B5EF4-FFF2-40B4-BE49-F238E27FC236}">
+                <a16:creationId xmlns:a16="http://schemas.microsoft.com/office/drawing/2014/main" id="{9E32883C-0E37-4F07-9861-27609819CE8C}"/>
+              </a:ext>
+            </a:extLst>
+          </p:cNvPr>
+          <p:cNvSpPr txBox="1"/>
+          <p:nvPr/>
+        </p:nvSpPr>
+        <p:spPr>
+          <a:xfrm>
+            <a:off x="1048254" y="1942532"/>
+            <a:ext cx="10768607" cy="4893647"/>
+          </a:xfrm>
+          <a:prstGeom prst="rect">
+            <a:avLst/>
+          </a:prstGeom>
+          <a:noFill/>
+          <a:ln>
+            <a:solidFill>
+              <a:schemeClr val="tx1"/>
+            </a:solidFill>
+          </a:ln>
+        </p:spPr>
+        <p:txBody>
+          <a:bodyPr wrap="square" rtlCol="0">
+            <a:spAutoFit/>
+          </a:bodyPr>
+          <a:lstStyle/>
+          <a:p>
+            <a:r>
+              <a:rPr kumimoji="1" lang="en-US" altLang="ja-JP" sz="2400" dirty="0"/>
+              <a:t>include&lt;iostream&gt;</a:t>
+            </a:r>
+          </a:p>
+          <a:p>
+            <a:r>
+              <a:rPr kumimoji="1" lang="en-US" altLang="ja-JP" sz="2400" dirty="0"/>
+              <a:t>using namespace std;</a:t>
+            </a:r>
+          </a:p>
+          <a:p>
+            <a:r>
+              <a:rPr kumimoji="1" lang="en-US" altLang="ja-JP" sz="2400" dirty="0"/>
+              <a:t>int main() {</a:t>
+            </a:r>
+          </a:p>
+          <a:p>
+            <a:r>
+              <a:rPr kumimoji="1" lang="en-US" altLang="ja-JP" sz="2400" dirty="0"/>
+              <a:t>    int* p = </a:t>
+            </a:r>
+            <a:r>
+              <a:rPr kumimoji="1" lang="en-US" altLang="ja-JP" sz="2400" dirty="0" err="1"/>
+              <a:t>nullptr</a:t>
+            </a:r>
+            <a:r>
+              <a:rPr kumimoji="1" lang="en-US" altLang="ja-JP" sz="2400" dirty="0"/>
+              <a:t>;</a:t>
+            </a:r>
+          </a:p>
+          <a:p>
+            <a:r>
+              <a:rPr kumimoji="1" lang="en-US" altLang="ja-JP" sz="2400" dirty="0"/>
+              <a:t>    p = new int[10];</a:t>
+            </a:r>
+          </a:p>
+          <a:p>
+            <a:r>
+              <a:rPr kumimoji="1" lang="en-US" altLang="ja-JP" sz="2400" dirty="0"/>
+              <a:t>    for(int </a:t>
+            </a:r>
+            <a:r>
+              <a:rPr kumimoji="1" lang="en-US" altLang="ja-JP" sz="2400" dirty="0" err="1"/>
+              <a:t>i</a:t>
+            </a:r>
+            <a:r>
+              <a:rPr kumimoji="1" lang="en-US" altLang="ja-JP" sz="2400" dirty="0"/>
+              <a:t> = 0; </a:t>
+            </a:r>
+            <a:r>
+              <a:rPr kumimoji="1" lang="en-US" altLang="ja-JP" sz="2400" dirty="0" err="1"/>
+              <a:t>i</a:t>
+            </a:r>
+            <a:r>
+              <a:rPr kumimoji="1" lang="en-US" altLang="ja-JP" sz="2400" dirty="0"/>
+              <a:t> &lt; 10; </a:t>
+            </a:r>
+            <a:r>
+              <a:rPr kumimoji="1" lang="en-US" altLang="ja-JP" sz="2400" dirty="0" err="1"/>
+              <a:t>i</a:t>
+            </a:r>
+            <a:r>
+              <a:rPr kumimoji="1" lang="en-US" altLang="ja-JP" sz="2400" dirty="0"/>
+              <a:t>++){</a:t>
+            </a:r>
+          </a:p>
+          <a:p>
+            <a:r>
+              <a:rPr kumimoji="1" lang="en-US" altLang="ja-JP" sz="2400" dirty="0">
+                <a:solidFill>
+                  <a:srgbClr val="00B050"/>
+                </a:solidFill>
+              </a:rPr>
+              <a:t>        *(p + </a:t>
+            </a:r>
+            <a:r>
+              <a:rPr kumimoji="1" lang="en-US" altLang="ja-JP" sz="2400" dirty="0" err="1">
+                <a:solidFill>
+                  <a:srgbClr val="00B050"/>
+                </a:solidFill>
+              </a:rPr>
+              <a:t>i</a:t>
+            </a:r>
+            <a:r>
+              <a:rPr kumimoji="1" lang="en-US" altLang="ja-JP" sz="2400" dirty="0">
+                <a:solidFill>
+                  <a:srgbClr val="00B050"/>
+                </a:solidFill>
+              </a:rPr>
+              <a:t>) = </a:t>
+            </a:r>
+            <a:r>
+              <a:rPr kumimoji="1" lang="en-US" altLang="ja-JP" sz="2400" dirty="0" err="1">
+                <a:solidFill>
+                  <a:srgbClr val="00B050"/>
+                </a:solidFill>
+              </a:rPr>
+              <a:t>i</a:t>
+            </a:r>
+            <a:r>
+              <a:rPr kumimoji="1" lang="en-US" altLang="ja-JP" sz="2400" dirty="0">
+                <a:solidFill>
+                  <a:srgbClr val="00B050"/>
+                </a:solidFill>
+              </a:rPr>
+              <a:t>;</a:t>
+            </a:r>
+          </a:p>
+          <a:p>
+            <a:r>
+              <a:rPr kumimoji="1" lang="en-US" altLang="ja-JP" sz="2400" dirty="0"/>
+              <a:t>        </a:t>
+            </a:r>
+            <a:r>
+              <a:rPr kumimoji="1" lang="en-US" altLang="ja-JP" sz="2400" dirty="0" err="1"/>
+              <a:t>cout</a:t>
+            </a:r>
+            <a:r>
+              <a:rPr kumimoji="1" lang="en-US" altLang="ja-JP" sz="2400" dirty="0"/>
+              <a:t> &lt;&lt; </a:t>
+            </a:r>
+            <a:r>
+              <a:rPr kumimoji="1" lang="en-US" altLang="ja-JP" sz="2400" dirty="0">
+                <a:solidFill>
+                  <a:srgbClr val="00B050"/>
+                </a:solidFill>
+              </a:rPr>
+              <a:t>*(p + </a:t>
+            </a:r>
+            <a:r>
+              <a:rPr kumimoji="1" lang="en-US" altLang="ja-JP" sz="2400" dirty="0" err="1">
+                <a:solidFill>
+                  <a:srgbClr val="00B050"/>
+                </a:solidFill>
+              </a:rPr>
+              <a:t>i</a:t>
+            </a:r>
+            <a:r>
+              <a:rPr kumimoji="1" lang="en-US" altLang="ja-JP" sz="2400" dirty="0">
+                <a:solidFill>
+                  <a:srgbClr val="00B050"/>
+                </a:solidFill>
+              </a:rPr>
+              <a:t>)</a:t>
+            </a:r>
+            <a:r>
+              <a:rPr kumimoji="1" lang="en-US" altLang="ja-JP" sz="2400" dirty="0"/>
+              <a:t> &lt;&lt; “ “;</a:t>
+            </a:r>
+          </a:p>
+          <a:p>
+            <a:r>
+              <a:rPr kumimoji="1" lang="en-US" altLang="ja-JP" sz="2400" dirty="0"/>
+              <a:t>    }</a:t>
+            </a:r>
+          </a:p>
+          <a:p>
+            <a:r>
+              <a:rPr kumimoji="1" lang="en-US" altLang="ja-JP" sz="2400" dirty="0"/>
+              <a:t>    </a:t>
+            </a:r>
+            <a:r>
+              <a:rPr kumimoji="1" lang="en-US" altLang="ja-JP" sz="2400" dirty="0" err="1"/>
+              <a:t>cout</a:t>
+            </a:r>
+            <a:r>
+              <a:rPr kumimoji="1" lang="en-US" altLang="ja-JP" sz="2400" dirty="0"/>
+              <a:t> &lt;&lt; </a:t>
+            </a:r>
+            <a:r>
+              <a:rPr kumimoji="1" lang="en-US" altLang="ja-JP" sz="2400" dirty="0" err="1"/>
+              <a:t>endl</a:t>
+            </a:r>
+            <a:r>
+              <a:rPr kumimoji="1" lang="en-US" altLang="ja-JP" sz="2400" dirty="0"/>
+              <a:t>;</a:t>
+            </a:r>
+          </a:p>
+          <a:p>
+            <a:r>
+              <a:rPr kumimoji="1" lang="en-US" altLang="ja-JP" sz="2400" dirty="0"/>
+              <a:t>    delete[] p;</a:t>
+            </a:r>
+          </a:p>
+          <a:p>
+            <a:r>
+              <a:rPr kumimoji="1" lang="en-US" altLang="ja-JP" sz="2400" dirty="0"/>
+              <a:t>    return 0;</a:t>
+            </a:r>
+            <a:r>
+              <a:rPr kumimoji="1" lang="ja-JP" altLang="en-US" sz="2400" dirty="0"/>
+              <a:t>　　　　</a:t>
+            </a:r>
+            <a:endParaRPr kumimoji="1" lang="en-US" altLang="ja-JP" sz="2400" dirty="0"/>
+          </a:p>
+          <a:p>
+            <a:r>
+              <a:rPr kumimoji="1" lang="en-US" altLang="ja-JP" sz="2400" dirty="0"/>
+              <a:t>}</a:t>
+            </a:r>
+          </a:p>
+        </p:txBody>
+      </p:sp>
+      <p:sp>
+        <p:nvSpPr>
+          <p:cNvPr id="6" name="テキスト ボックス 5">
+            <a:extLst>
+              <a:ext uri="{FF2B5EF4-FFF2-40B4-BE49-F238E27FC236}">
+                <a16:creationId xmlns:a16="http://schemas.microsoft.com/office/drawing/2014/main" id="{200A7380-48A6-383C-56FD-631047C3C5AD}"/>
+              </a:ext>
+            </a:extLst>
+          </p:cNvPr>
+          <p:cNvSpPr txBox="1"/>
+          <p:nvPr/>
+        </p:nvSpPr>
+        <p:spPr>
+          <a:xfrm>
+            <a:off x="4609048" y="4958742"/>
+            <a:ext cx="5389451" cy="523220"/>
+          </a:xfrm>
+          <a:prstGeom prst="rect">
+            <a:avLst/>
+          </a:prstGeom>
+          <a:solidFill>
+            <a:schemeClr val="bg1"/>
+          </a:solidFill>
+          <a:ln w="19050">
+            <a:solidFill>
+              <a:srgbClr val="FF0000"/>
+            </a:solidFill>
+          </a:ln>
+        </p:spPr>
+        <p:txBody>
+          <a:bodyPr wrap="square" rtlCol="0">
+            <a:spAutoFit/>
+          </a:bodyPr>
+          <a:lstStyle/>
+          <a:p>
+            <a:r>
+              <a:rPr kumimoji="1" lang="ja-JP" altLang="en-US" sz="2800" dirty="0"/>
+              <a:t>ポインタと配列要素との関係</a:t>
+            </a:r>
+          </a:p>
+        </p:txBody>
+      </p:sp>
+    </p:spTree>
+    <p:extLst>
+      <p:ext uri="{BB962C8B-B14F-4D97-AF65-F5344CB8AC3E}">
+        <p14:creationId xmlns:p14="http://schemas.microsoft.com/office/powerpoint/2010/main" val="4089317641"/>
+      </p:ext>
+    </p:extLst>
+  </p:cSld>
+  <p:clrMapOvr>
+    <a:masterClrMapping/>
+  </p:clrMapOvr>
+</p:sld>
+</file>
+
+<file path=ppt/slides/slide25.xml><?xml version="1.0" encoding="utf-8"?>
+<p:sld xmlns:a="http://schemas.openxmlformats.org/drawingml/2006/main" xmlns:r="http://schemas.openxmlformats.org/officeDocument/2006/relationships" xmlns:p="http://schemas.openxmlformats.org/presentationml/2006/main" show="0">
+  <p:cSld>
+    <p:spTree>
+      <p:nvGrpSpPr>
+        <p:cNvPr id="1" name=""/>
+        <p:cNvGrpSpPr/>
+        <p:nvPr/>
+      </p:nvGrpSpPr>
+      <p:grpSpPr>
+        <a:xfrm>
+          <a:off x="0" y="0"/>
+          <a:ext cx="0" cy="0"/>
+          <a:chOff x="0" y="0"/>
+          <a:chExt cx="0" cy="0"/>
+        </a:xfrm>
+      </p:grpSpPr>
+      <p:sp>
+        <p:nvSpPr>
+          <p:cNvPr id="2" name="タイトル 1">
+            <a:extLst>
+              <a:ext uri="{FF2B5EF4-FFF2-40B4-BE49-F238E27FC236}">
+                <a16:creationId xmlns:a16="http://schemas.microsoft.com/office/drawing/2014/main" id="{F11F3668-F205-48C5-AC01-19611EFE561B}"/>
+              </a:ext>
+            </a:extLst>
+          </p:cNvPr>
+          <p:cNvSpPr>
+            <a:spLocks noGrp="1"/>
+          </p:cNvSpPr>
+          <p:nvPr>
+            <p:ph type="title"/>
+          </p:nvPr>
+        </p:nvSpPr>
+        <p:spPr/>
+        <p:txBody>
+          <a:bodyPr/>
+          <a:lstStyle/>
+          <a:p>
+            <a:r>
+              <a:rPr kumimoji="1" lang="en-US" altLang="ja-JP" dirty="0"/>
+              <a:t>new</a:t>
+            </a:r>
+            <a:r>
+              <a:rPr kumimoji="1" lang="ja-JP" altLang="en-US" dirty="0"/>
+              <a:t>演算子と</a:t>
+            </a:r>
+            <a:r>
+              <a:rPr kumimoji="1" lang="en-US" altLang="ja-JP" dirty="0"/>
+              <a:t>delete</a:t>
+            </a:r>
+            <a:r>
+              <a:rPr kumimoji="1" lang="ja-JP" altLang="en-US" dirty="0"/>
+              <a:t>演算子</a:t>
+            </a:r>
+          </a:p>
+        </p:txBody>
+      </p:sp>
+      <p:sp>
+        <p:nvSpPr>
+          <p:cNvPr id="3" name="コンテンツ プレースホルダー 2">
+            <a:extLst>
+              <a:ext uri="{FF2B5EF4-FFF2-40B4-BE49-F238E27FC236}">
+                <a16:creationId xmlns:a16="http://schemas.microsoft.com/office/drawing/2014/main" id="{64DBE417-57E9-44A6-BB52-B2F9986BB7B2}"/>
+              </a:ext>
+            </a:extLst>
+          </p:cNvPr>
+          <p:cNvSpPr>
+            <a:spLocks noGrp="1"/>
+          </p:cNvSpPr>
+          <p:nvPr>
+            <p:ph idx="1"/>
+          </p:nvPr>
+        </p:nvSpPr>
+        <p:spPr/>
+        <p:txBody>
+          <a:bodyPr>
+            <a:normAutofit/>
+          </a:bodyPr>
+          <a:lstStyle/>
+          <a:p>
+            <a:r>
+              <a:rPr kumimoji="1" lang="en-US" altLang="ja-JP" dirty="0"/>
+              <a:t>main.cpp</a:t>
+            </a:r>
+            <a:r>
+              <a:rPr kumimoji="1" lang="ja-JP" altLang="en-US" dirty="0"/>
               <a:t>（スマートポインタ版）</a:t>
             </a:r>
             <a:br>
@@ -10811,8 +11527,206 @@
 </p:sld>
 </file>
 
-<file path=ppt/slides/slide24.xml><?xml version="1.0" encoding="utf-8"?>
+<file path=ppt/slides/slide26.xml><?xml version="1.0" encoding="utf-8"?>
 <p:sld xmlns:a="http://schemas.openxmlformats.org/drawingml/2006/main" xmlns:r="http://schemas.openxmlformats.org/officeDocument/2006/relationships" xmlns:p="http://schemas.openxmlformats.org/presentationml/2006/main">
+  <p:cSld>
+    <p:spTree>
+      <p:nvGrpSpPr>
+        <p:cNvPr id="1" name=""/>
+        <p:cNvGrpSpPr/>
+        <p:nvPr/>
+      </p:nvGrpSpPr>
+      <p:grpSpPr>
+        <a:xfrm>
+          <a:off x="0" y="0"/>
+          <a:ext cx="0" cy="0"/>
+          <a:chOff x="0" y="0"/>
+          <a:chExt cx="0" cy="0"/>
+        </a:xfrm>
+      </p:grpSpPr>
+      <p:sp>
+        <p:nvSpPr>
+          <p:cNvPr id="2" name="タイトル 1">
+            <a:extLst>
+              <a:ext uri="{FF2B5EF4-FFF2-40B4-BE49-F238E27FC236}">
+                <a16:creationId xmlns:a16="http://schemas.microsoft.com/office/drawing/2014/main" id="{9F789731-37C4-49DD-AEE8-78E5514E279E}"/>
+              </a:ext>
+            </a:extLst>
+          </p:cNvPr>
+          <p:cNvSpPr>
+            <a:spLocks noGrp="1"/>
+          </p:cNvSpPr>
+          <p:nvPr>
+            <p:ph type="title"/>
+          </p:nvPr>
+        </p:nvSpPr>
+        <p:spPr/>
+        <p:txBody>
+          <a:bodyPr/>
+          <a:lstStyle/>
+          <a:p>
+            <a:r>
+              <a:rPr kumimoji="1" lang="en-US" altLang="ja-JP" dirty="0"/>
+              <a:t>new</a:t>
+            </a:r>
+            <a:r>
+              <a:rPr kumimoji="1" lang="ja-JP" altLang="en-US" dirty="0"/>
+              <a:t>演算子と</a:t>
+            </a:r>
+            <a:r>
+              <a:rPr kumimoji="1" lang="en-US" altLang="ja-JP" dirty="0"/>
+              <a:t>delete</a:t>
+            </a:r>
+            <a:r>
+              <a:rPr kumimoji="1" lang="ja-JP" altLang="en-US" dirty="0"/>
+              <a:t>演算子</a:t>
+            </a:r>
+          </a:p>
+        </p:txBody>
+      </p:sp>
+      <p:sp>
+        <p:nvSpPr>
+          <p:cNvPr id="3" name="コンテンツ プレースホルダー 2">
+            <a:extLst>
+              <a:ext uri="{FF2B5EF4-FFF2-40B4-BE49-F238E27FC236}">
+                <a16:creationId xmlns:a16="http://schemas.microsoft.com/office/drawing/2014/main" id="{39562F0E-6033-40BD-BCB8-F015661306FD}"/>
+              </a:ext>
+            </a:extLst>
+          </p:cNvPr>
+          <p:cNvSpPr>
+            <a:spLocks noGrp="1"/>
+          </p:cNvSpPr>
+          <p:nvPr>
+            <p:ph idx="1"/>
+          </p:nvPr>
+        </p:nvSpPr>
+        <p:spPr/>
+        <p:txBody>
+          <a:bodyPr>
+            <a:normAutofit/>
+          </a:bodyPr>
+          <a:lstStyle/>
+          <a:p>
+            <a:r>
+              <a:rPr lang="ja-JP" altLang="en-US" dirty="0"/>
+              <a:t>まとめ</a:t>
+            </a:r>
+            <a:endParaRPr lang="en-US" altLang="ja-JP" dirty="0"/>
+          </a:p>
+          <a:p>
+            <a:r>
+              <a:rPr lang="en-US" altLang="ja-JP" dirty="0">
+                <a:solidFill>
+                  <a:srgbClr val="00B0F0"/>
+                </a:solidFill>
+              </a:rPr>
+              <a:t>new</a:t>
+            </a:r>
+            <a:r>
+              <a:rPr lang="ja-JP" altLang="en-US" dirty="0"/>
+              <a:t>演算子</a:t>
+            </a:r>
+            <a:br>
+              <a:rPr lang="en-US" altLang="ja-JP" dirty="0"/>
+            </a:br>
+            <a:r>
+              <a:rPr lang="ja-JP" altLang="en-US" dirty="0"/>
+              <a:t>必要なときに必要なぶん</a:t>
+            </a:r>
+            <a:r>
+              <a:rPr lang="ja-JP" altLang="en-US" b="1" dirty="0">
+                <a:solidFill>
+                  <a:srgbClr val="00B0F0"/>
+                </a:solidFill>
+              </a:rPr>
+              <a:t>メモリを確保</a:t>
+            </a:r>
+            <a:r>
+              <a:rPr lang="ja-JP" altLang="en-US" dirty="0"/>
+              <a:t>する</a:t>
+            </a:r>
+            <a:br>
+              <a:rPr lang="en-US" altLang="ja-JP" dirty="0"/>
+            </a:br>
+            <a:r>
+              <a:rPr lang="ja-JP" altLang="en-US" dirty="0"/>
+              <a:t>クラスのインスタンスだけでなく、基本型やその配列にも使用可能</a:t>
+            </a:r>
+            <a:br>
+              <a:rPr lang="en-US" altLang="ja-JP" dirty="0"/>
+            </a:br>
+            <a:endParaRPr lang="en-US" altLang="ja-JP" dirty="0"/>
+          </a:p>
+          <a:p>
+            <a:r>
+              <a:rPr lang="en-US" altLang="ja-JP" dirty="0">
+                <a:solidFill>
+                  <a:srgbClr val="FF0000"/>
+                </a:solidFill>
+              </a:rPr>
+              <a:t>delete</a:t>
+            </a:r>
+            <a:r>
+              <a:rPr lang="ja-JP" altLang="en-US" dirty="0"/>
+              <a:t>演算子</a:t>
+            </a:r>
+            <a:br>
+              <a:rPr lang="en-US" altLang="ja-JP" dirty="0"/>
+            </a:br>
+            <a:r>
+              <a:rPr lang="ja-JP" altLang="en-US" dirty="0"/>
+              <a:t>不要になった</a:t>
+            </a:r>
+            <a:r>
+              <a:rPr lang="ja-JP" altLang="en-US" b="1" dirty="0">
+                <a:solidFill>
+                  <a:srgbClr val="FF0000"/>
+                </a:solidFill>
+              </a:rPr>
+              <a:t>メモリを解放</a:t>
+            </a:r>
+            <a:r>
+              <a:rPr lang="ja-JP" altLang="en-US" dirty="0"/>
+              <a:t>する</a:t>
+            </a:r>
+            <a:br>
+              <a:rPr lang="en-US" altLang="ja-JP" dirty="0"/>
+            </a:br>
+            <a:r>
+              <a:rPr lang="en-US" altLang="ja-JP" dirty="0"/>
+              <a:t>new</a:t>
+            </a:r>
+            <a:r>
+              <a:rPr lang="ja-JP" altLang="en-US" dirty="0"/>
+              <a:t>したものは必ず</a:t>
+            </a:r>
+            <a:r>
+              <a:rPr lang="en-US" altLang="ja-JP" dirty="0"/>
+              <a:t>delete</a:t>
+            </a:r>
+            <a:r>
+              <a:rPr lang="ja-JP" altLang="en-US" dirty="0"/>
+              <a:t>する必要がある！</a:t>
+            </a:r>
+            <a:endParaRPr lang="en-US" altLang="ja-JP" dirty="0"/>
+          </a:p>
+        </p:txBody>
+      </p:sp>
+    </p:spTree>
+    <p:extLst>
+      <p:ext uri="{BB962C8B-B14F-4D97-AF65-F5344CB8AC3E}">
+        <p14:creationId xmlns:p14="http://schemas.microsoft.com/office/powerpoint/2010/main" val="59195658"/>
+      </p:ext>
+    </p:extLst>
+  </p:cSld>
+  <p:clrMapOvr>
+    <a:masterClrMapping/>
+  </p:clrMapOvr>
+</p:sld>
+</file>
+
+<file path=ppt/slides/slide27.xml><?xml version="1.0" encoding="utf-8"?>
+<p:sld xmlns:a="http://schemas.openxmlformats.org/drawingml/2006/main" xmlns:r="http://schemas.openxmlformats.org/officeDocument/2006/relationships" xmlns:p="http://schemas.openxmlformats.org/presentationml/2006/main" show="0">
   <p:cSld>
     <p:spTree>
       <p:nvGrpSpPr>
@@ -14231,7 +15145,7 @@
         </p:nvSpPr>
         <p:spPr>
           <a:xfrm>
-            <a:off x="5017360" y="4857557"/>
+            <a:off x="5069314" y="4296447"/>
             <a:ext cx="6871461" cy="1815882"/>
           </a:xfrm>
           <a:prstGeom prst="rect">
